--- a/MultiWayJoin.pptx
+++ b/MultiWayJoin.pptx
@@ -15455,7 +15455,7 @@
             <p:ph idx="1"/>
             <p:extLst>
               <p:ext uri="{D42A27DB-BD31-4B8C-83A1-F6EECF244321}">
-                <p14:modId xmlns:p14="http://schemas.microsoft.com/office/powerpoint/2010/main" val="2407883425"/>
+                <p14:modId xmlns:p14="http://schemas.microsoft.com/office/powerpoint/2010/main" val="857945945"/>
               </p:ext>
             </p:extLst>
           </p:nvPr>
@@ -15614,7 +15614,7 @@
                       </a:pPr>
                       <a:r>
                         <a:rPr lang="en-US" dirty="0"/>
-                        <a:t>0.01s</a:t>
+                        <a:t>0.01</a:t>
                       </a:r>
                     </a:p>
                   </a:txBody>
@@ -15627,7 +15627,7 @@
                     <a:p>
                       <a:r>
                         <a:rPr lang="en-US" dirty="0"/>
-                        <a:t>0.01s</a:t>
+                        <a:t>0.01</a:t>
                       </a:r>
                     </a:p>
                   </a:txBody>
@@ -15640,7 +15640,7 @@
                     <a:p>
                       <a:r>
                         <a:rPr lang="en-US" dirty="0"/>
-                        <a:t>0.01s</a:t>
+                        <a:t>0.01</a:t>
                       </a:r>
                     </a:p>
                   </a:txBody>
@@ -15653,7 +15653,7 @@
                     <a:p>
                       <a:r>
                         <a:rPr lang="en-US" dirty="0"/>
-                        <a:t>0.219s</a:t>
+                        <a:t>0.219</a:t>
                       </a:r>
                     </a:p>
                   </a:txBody>
@@ -15686,7 +15686,7 @@
                     <a:p>
                       <a:r>
                         <a:rPr lang="en-US" dirty="0"/>
-                        <a:t>0.284s</a:t>
+                        <a:t>0.284</a:t>
                       </a:r>
                     </a:p>
                   </a:txBody>
@@ -15699,7 +15699,7 @@
                     <a:p>
                       <a:r>
                         <a:rPr lang="en-US" dirty="0"/>
-                        <a:t>0.0549s</a:t>
+                        <a:t>0.0549</a:t>
                       </a:r>
                     </a:p>
                   </a:txBody>
@@ -15712,7 +15712,7 @@
                     <a:p>
                       <a:r>
                         <a:rPr lang="en-US" dirty="0"/>
-                        <a:t>0.128s</a:t>
+                        <a:t>0.128</a:t>
                       </a:r>
                     </a:p>
                   </a:txBody>
@@ -15725,7 +15725,7 @@
                     <a:p>
                       <a:r>
                         <a:rPr lang="en-US" dirty="0"/>
-                        <a:t>0.156s</a:t>
+                        <a:t>0.156</a:t>
                       </a:r>
                     </a:p>
                   </a:txBody>
@@ -15758,7 +15758,7 @@
                     <a:p>
                       <a:r>
                         <a:rPr lang="en-US" dirty="0"/>
-                        <a:t>1.386s</a:t>
+                        <a:t>1.386</a:t>
                       </a:r>
                     </a:p>
                   </a:txBody>
@@ -15771,7 +15771,7 @@
                     <a:p>
                       <a:r>
                         <a:rPr lang="en-US" dirty="0"/>
-                        <a:t>0.727s</a:t>
+                        <a:t>0.727</a:t>
                       </a:r>
                     </a:p>
                   </a:txBody>
@@ -15784,7 +15784,7 @@
                     <a:p>
                       <a:r>
                         <a:rPr lang="en-US" dirty="0"/>
-                        <a:t>1.822s</a:t>
+                        <a:t>1.822</a:t>
                       </a:r>
                     </a:p>
                   </a:txBody>
@@ -15814,7 +15814,7 @@
                       </a:pPr>
                       <a:r>
                         <a:rPr lang="en-US" dirty="0"/>
-                        <a:t>1.969s</a:t>
+                        <a:t>1.969</a:t>
                       </a:r>
                     </a:p>
                   </a:txBody>
@@ -15847,7 +15847,7 @@
                     <a:p>
                       <a:r>
                         <a:rPr lang="en-US" dirty="0"/>
-                        <a:t>7.18s</a:t>
+                        <a:t>7.18</a:t>
                       </a:r>
                     </a:p>
                   </a:txBody>
@@ -15860,7 +15860,7 @@
                     <a:p>
                       <a:r>
                         <a:rPr lang="en-US" dirty="0"/>
-                        <a:t>18.51s</a:t>
+                        <a:t>18.51</a:t>
                       </a:r>
                     </a:p>
                   </a:txBody>
@@ -15873,7 +15873,7 @@
                     <a:p>
                       <a:r>
                         <a:rPr lang="en-US" dirty="0"/>
-                        <a:t>21.5s</a:t>
+                        <a:t>21.5</a:t>
                       </a:r>
                     </a:p>
                   </a:txBody>
@@ -15886,7 +15886,7 @@
                     <a:p>
                       <a:r>
                         <a:rPr lang="en-US" dirty="0"/>
-                        <a:t>31.578s</a:t>
+                        <a:t>31.578</a:t>
                       </a:r>
                     </a:p>
                   </a:txBody>
@@ -15955,7 +15955,7 @@
                     <a:p>
                       <a:r>
                         <a:rPr lang="en-US" dirty="0"/>
-                        <a:t>364.75s</a:t>
+                        <a:t>364.75</a:t>
                       </a:r>
                     </a:p>
                   </a:txBody>
@@ -15988,7 +15988,7 @@
                     <a:p>
                       <a:r>
                         <a:rPr lang="en-US" dirty="0"/>
-                        <a:t>7.088s</a:t>
+                        <a:t>7.088</a:t>
                       </a:r>
                     </a:p>
                   </a:txBody>
@@ -16001,7 +16001,7 @@
                     <a:p>
                       <a:r>
                         <a:rPr lang="en-US" dirty="0"/>
-                        <a:t>9.505s</a:t>
+                        <a:t>9.505</a:t>
                       </a:r>
                     </a:p>
                   </a:txBody>
@@ -16014,7 +16014,7 @@
                     <a:p>
                       <a:r>
                         <a:rPr lang="en-US" dirty="0"/>
-                        <a:t>9.892s</a:t>
+                        <a:t>9.892</a:t>
                       </a:r>
                     </a:p>
                   </a:txBody>
@@ -16027,7 +16027,7 @@
                     <a:p>
                       <a:r>
                         <a:rPr lang="en-US" dirty="0"/>
-                        <a:t>36.44s</a:t>
+                        <a:t>36.44</a:t>
                       </a:r>
                     </a:p>
                   </a:txBody>
@@ -16060,7 +16060,7 @@
                     <a:p>
                       <a:r>
                         <a:rPr lang="en-US" dirty="0"/>
-                        <a:t>81.99s</a:t>
+                        <a:t>81.99</a:t>
                       </a:r>
                     </a:p>
                   </a:txBody>
@@ -16073,7 +16073,7 @@
                     <a:p>
                       <a:r>
                         <a:rPr lang="en-US" dirty="0"/>
-                        <a:t>84.726s</a:t>
+                        <a:t>84.726</a:t>
                       </a:r>
                     </a:p>
                   </a:txBody>
@@ -16086,7 +16086,7 @@
                     <a:p>
                       <a:r>
                         <a:rPr lang="en-US" dirty="0"/>
-                        <a:t>166.4s</a:t>
+                        <a:t>166.4</a:t>
                       </a:r>
                     </a:p>
                   </a:txBody>
@@ -16099,7 +16099,7 @@
                     <a:p>
                       <a:r>
                         <a:rPr lang="en-US" dirty="0"/>
-                        <a:t>523.7s</a:t>
+                        <a:t>523.7</a:t>
                       </a:r>
                     </a:p>
                   </a:txBody>
@@ -16189,7 +16189,7 @@
             <p:ph idx="1"/>
             <p:extLst>
               <p:ext uri="{D42A27DB-BD31-4B8C-83A1-F6EECF244321}">
-                <p14:modId xmlns:p14="http://schemas.microsoft.com/office/powerpoint/2010/main" val="154405741"/>
+                <p14:modId xmlns:p14="http://schemas.microsoft.com/office/powerpoint/2010/main" val="901642221"/>
               </p:ext>
             </p:extLst>
           </p:nvPr>
@@ -16365,7 +16365,7 @@
                     <a:p>
                       <a:r>
                         <a:rPr lang="en-US" dirty="0"/>
-                        <a:t>16.134s</a:t>
+                        <a:t>16.134</a:t>
                       </a:r>
                     </a:p>
                   </a:txBody>
@@ -16378,7 +16378,7 @@
                     <a:p>
                       <a:r>
                         <a:rPr lang="en-US" dirty="0"/>
-                        <a:t>15.165s</a:t>
+                        <a:t>15.165</a:t>
                       </a:r>
                     </a:p>
                   </a:txBody>
@@ -16391,7 +16391,7 @@
                     <a:p>
                       <a:r>
                         <a:rPr lang="en-US" dirty="0"/>
-                        <a:t>40.99s</a:t>
+                        <a:t>40.99</a:t>
                       </a:r>
                     </a:p>
                   </a:txBody>
@@ -16404,7 +16404,7 @@
                     <a:p>
                       <a:r>
                         <a:rPr lang="en-US" dirty="0"/>
-                        <a:t>14.313s</a:t>
+                        <a:t>14.313</a:t>
                       </a:r>
                     </a:p>
                   </a:txBody>
@@ -16437,7 +16437,7 @@
                     <a:p>
                       <a:r>
                         <a:rPr lang="en-US" dirty="0"/>
-                        <a:t>1303.65s</a:t>
+                        <a:t>1303.65</a:t>
                       </a:r>
                     </a:p>
                   </a:txBody>
@@ -16450,7 +16450,7 @@
                     <a:p>
                       <a:r>
                         <a:rPr lang="en-US" dirty="0"/>
-                        <a:t>1135.44s</a:t>
+                        <a:t>1135.44</a:t>
                       </a:r>
                     </a:p>
                   </a:txBody>
@@ -16463,7 +16463,7 @@
                     <a:p>
                       <a:r>
                         <a:rPr lang="en-US" dirty="0"/>
-                        <a:t>2245.31s</a:t>
+                        <a:t>2245.31</a:t>
                       </a:r>
                     </a:p>
                   </a:txBody>
@@ -16476,7 +16476,7 @@
                     <a:p>
                       <a:r>
                         <a:rPr lang="en-US" dirty="0"/>
-                        <a:t>231.11s</a:t>
+                        <a:t>231.11</a:t>
                       </a:r>
                     </a:p>
                   </a:txBody>
@@ -16509,7 +16509,7 @@
                     <a:p>
                       <a:r>
                         <a:rPr lang="en-US" dirty="0"/>
-                        <a:t>0.0603s</a:t>
+                        <a:t>0.0603</a:t>
                       </a:r>
                     </a:p>
                   </a:txBody>
@@ -16522,7 +16522,7 @@
                     <a:p>
                       <a:r>
                         <a:rPr lang="en-US" dirty="0"/>
-                        <a:t>0.0642s</a:t>
+                        <a:t>0.0642</a:t>
                       </a:r>
                     </a:p>
                   </a:txBody>
@@ -16535,7 +16535,7 @@
                     <a:p>
                       <a:r>
                         <a:rPr lang="en-US" dirty="0"/>
-                        <a:t>0.0579s</a:t>
+                        <a:t>0.0579</a:t>
                       </a:r>
                     </a:p>
                   </a:txBody>
@@ -16548,7 +16548,7 @@
                     <a:p>
                       <a:r>
                         <a:rPr lang="en-US" dirty="0"/>
-                        <a:t>5.328s</a:t>
+                        <a:t>5.328</a:t>
                       </a:r>
                     </a:p>
                   </a:txBody>
@@ -16581,7 +16581,7 @@
                     <a:p>
                       <a:r>
                         <a:rPr lang="en-US" dirty="0"/>
-                        <a:t>0.6867s</a:t>
+                        <a:t>0.6867</a:t>
                       </a:r>
                     </a:p>
                   </a:txBody>
@@ -16594,7 +16594,7 @@
                     <a:p>
                       <a:r>
                         <a:rPr lang="en-US" dirty="0"/>
-                        <a:t>1.0605s</a:t>
+                        <a:t>1.0605</a:t>
                       </a:r>
                     </a:p>
                   </a:txBody>
@@ -16607,7 +16607,7 @@
                     <a:p>
                       <a:r>
                         <a:rPr lang="en-US" dirty="0"/>
-                        <a:t>1.0425s</a:t>
+                        <a:t>1.0425</a:t>
                       </a:r>
                     </a:p>
                   </a:txBody>
@@ -16620,7 +16620,7 @@
                     <a:p>
                       <a:r>
                         <a:rPr lang="en-US" dirty="0"/>
-                        <a:t>0.25s</a:t>
+                        <a:t>0.25</a:t>
                       </a:r>
                     </a:p>
                   </a:txBody>
@@ -16653,7 +16653,7 @@
                     <a:p>
                       <a:r>
                         <a:rPr lang="en-US" dirty="0"/>
-                        <a:t>4.18s</a:t>
+                        <a:t>4.18</a:t>
                       </a:r>
                     </a:p>
                   </a:txBody>
@@ -16686,7 +16686,7 @@
                     <a:p>
                       <a:r>
                         <a:rPr lang="en-US" dirty="0"/>
-                        <a:t>29.438s</a:t>
+                        <a:t>29.438</a:t>
                       </a:r>
                     </a:p>
                   </a:txBody>
@@ -16719,7 +16719,7 @@
                     <a:p>
                       <a:r>
                         <a:rPr lang="en-US" dirty="0"/>
-                        <a:t>25.384s</a:t>
+                        <a:t>25.384</a:t>
                       </a:r>
                     </a:p>
                   </a:txBody>
@@ -16730,7 +16730,7 @@
                     <a:bodyPr/>
                     <a:lstStyle/>
                     <a:p>
-                      <a:endParaRPr lang="en-US"/>
+                      <a:endParaRPr lang="en-US" dirty="0"/>
                     </a:p>
                   </a:txBody>
                   <a:tcPr/>
@@ -16752,7 +16752,7 @@
                     <a:p>
                       <a:r>
                         <a:rPr lang="en-US" dirty="0"/>
-                        <a:t>60.047s</a:t>
+                        <a:t>60.047</a:t>
                       </a:r>
                     </a:p>
                   </a:txBody>
@@ -16785,7 +16785,7 @@
                     <a:p>
                       <a:r>
                         <a:rPr lang="en-US" dirty="0"/>
-                        <a:t>322.947s</a:t>
+                        <a:t>322.947</a:t>
                       </a:r>
                     </a:p>
                   </a:txBody>
@@ -16818,7 +16818,7 @@
                     <a:p>
                       <a:r>
                         <a:rPr lang="en-US" dirty="0"/>
-                        <a:t>648.187s</a:t>
+                        <a:t>648.187</a:t>
                       </a:r>
                     </a:p>
                   </a:txBody>
@@ -16908,14 +16908,14 @@
             <p:ph idx="1"/>
             <p:extLst>
               <p:ext uri="{D42A27DB-BD31-4B8C-83A1-F6EECF244321}">
-                <p14:modId xmlns:p14="http://schemas.microsoft.com/office/powerpoint/2010/main" val="4250931598"/>
+                <p14:modId xmlns:p14="http://schemas.microsoft.com/office/powerpoint/2010/main" val="2794077504"/>
               </p:ext>
             </p:extLst>
           </p:nvPr>
         </p:nvGraphicFramePr>
         <p:xfrm>
-          <a:off x="1141413" y="2249488"/>
-          <a:ext cx="9906000" cy="3774440"/>
+          <a:off x="1141413" y="2097088"/>
+          <a:ext cx="9704778" cy="3235960"/>
         </p:xfrm>
         <a:graphic>
           <a:graphicData uri="http://schemas.openxmlformats.org/drawingml/2006/table">
@@ -16924,35 +16924,21 @@
                 <a:tableStyleId>{5C22544A-7EE6-4342-B048-85BDC9FD1C3A}</a:tableStyleId>
               </a:tblPr>
               <a:tblGrid>
-                <a:gridCol w="2459916">
+                <a:gridCol w="3965159">
                   <a:extLst>
                     <a:ext uri="{9D8B030D-6E8A-4147-A177-3AD203B41FA5}">
                       <a16:colId xmlns:a16="http://schemas.microsoft.com/office/drawing/2014/main" val="586466995"/>
                     </a:ext>
                   </a:extLst>
                 </a:gridCol>
-                <a:gridCol w="1899139">
-                  <a:extLst>
-                    <a:ext uri="{9D8B030D-6E8A-4147-A177-3AD203B41FA5}">
-                      <a16:colId xmlns:a16="http://schemas.microsoft.com/office/drawing/2014/main" val="1097830514"/>
-                    </a:ext>
-                  </a:extLst>
-                </a:gridCol>
-                <a:gridCol w="1885070">
-                  <a:extLst>
-                    <a:ext uri="{9D8B030D-6E8A-4147-A177-3AD203B41FA5}">
-                      <a16:colId xmlns:a16="http://schemas.microsoft.com/office/drawing/2014/main" val="1266658306"/>
-                    </a:ext>
-                  </a:extLst>
-                </a:gridCol>
-                <a:gridCol w="1871004">
+                <a:gridCol w="2841674">
                   <a:extLst>
                     <a:ext uri="{9D8B030D-6E8A-4147-A177-3AD203B41FA5}">
                       <a16:colId xmlns:a16="http://schemas.microsoft.com/office/drawing/2014/main" val="1396935525"/>
                     </a:ext>
                   </a:extLst>
                 </a:gridCol>
-                <a:gridCol w="1790871">
+                <a:gridCol w="2897945">
                   <a:extLst>
                     <a:ext uri="{9D8B030D-6E8A-4147-A177-3AD203B41FA5}">
                       <a16:colId xmlns:a16="http://schemas.microsoft.com/office/drawing/2014/main" val="1485147385"/>
@@ -16967,49 +16953,6 @@
                     <a:lstStyle/>
                     <a:p>
                       <a:endParaRPr lang="en-US" dirty="0"/>
-                    </a:p>
-                  </a:txBody>
-                  <a:tcPr/>
-                </a:tc>
-                <a:tc>
-                  <a:txBody>
-                    <a:bodyPr/>
-                    <a:lstStyle/>
-                    <a:p>
-                      <a:r>
-                        <a:rPr lang="en-US" dirty="0"/>
-                        <a:t>Python Response Time</a:t>
-                      </a:r>
-                    </a:p>
-                  </a:txBody>
-                  <a:tcPr/>
-                </a:tc>
-                <a:tc>
-                  <a:txBody>
-                    <a:bodyPr/>
-                    <a:lstStyle/>
-                    <a:p>
-                      <a:pPr marL="0" marR="0" lvl="0" indent="0" algn="l" defTabSz="914400" rtl="0" eaLnBrk="1" fontAlgn="auto" latinLnBrk="0" hangingPunct="1">
-                        <a:lnSpc>
-                          <a:spcPct val="100000"/>
-                        </a:lnSpc>
-                        <a:spcBef>
-                          <a:spcPts val="0"/>
-                        </a:spcBef>
-                        <a:spcAft>
-                          <a:spcPts val="0"/>
-                        </a:spcAft>
-                        <a:buClrTx/>
-                        <a:buSzTx/>
-                        <a:buFontTx/>
-                        <a:buNone/>
-                        <a:tabLst/>
-                        <a:defRPr/>
-                      </a:pPr>
-                      <a:r>
-                        <a:rPr lang="en-US" dirty="0"/>
-                        <a:t>Python Process Time</a:t>
-                      </a:r>
                     </a:p>
                   </a:txBody>
                   <a:tcPr/>
@@ -17082,17 +17025,10 @@
                     <a:bodyPr/>
                     <a:lstStyle/>
                     <a:p>
-                      <a:endParaRPr lang="en-US" dirty="0"/>
-                    </a:p>
-                  </a:txBody>
-                  <a:tcPr/>
-                </a:tc>
-                <a:tc>
-                  <a:txBody>
-                    <a:bodyPr/>
-                    <a:lstStyle/>
-                    <a:p>
-                      <a:endParaRPr lang="en-US" dirty="0"/>
+                      <a:r>
+                        <a:rPr lang="en-US" dirty="0"/>
+                        <a:t>6.71s for 4,000,072 tuples</a:t>
+                      </a:r>
                     </a:p>
                   </a:txBody>
                   <a:tcPr/>
@@ -17103,20 +17039,9 @@
                     <a:lstStyle/>
                     <a:p>
                       <a:r>
-                        <a:rPr lang="en-US"/>
-                        <a:t>140.7809</a:t>
+                        <a:rPr lang="en-US" dirty="0"/>
+                        <a:t>10.75s for 1,000,000 tuples</a:t>
                       </a:r>
-                      <a:endParaRPr lang="en-US" dirty="0"/>
-                    </a:p>
-                  </a:txBody>
-                  <a:tcPr/>
-                </a:tc>
-                <a:tc>
-                  <a:txBody>
-                    <a:bodyPr/>
-                    <a:lstStyle/>
-                    <a:p>
-                      <a:endParaRPr lang="en-US" dirty="0"/>
                     </a:p>
                   </a:txBody>
                   <a:tcPr/>
@@ -17146,7 +17071,10 @@
                     <a:bodyPr/>
                     <a:lstStyle/>
                     <a:p>
-                      <a:endParaRPr lang="en-US" dirty="0"/>
+                      <a:r>
+                        <a:rPr lang="en-US" dirty="0"/>
+                        <a:t>8.35s for 10000 tuples</a:t>
+                      </a:r>
                     </a:p>
                   </a:txBody>
                   <a:tcPr/>
@@ -17156,26 +17084,14 @@
                     <a:bodyPr/>
                     <a:lstStyle/>
                     <a:p>
-                      <a:endParaRPr lang="en-US" dirty="0"/>
-                    </a:p>
-                  </a:txBody>
-                  <a:tcPr/>
-                </a:tc>
-                <a:tc>
-                  <a:txBody>
-                    <a:bodyPr/>
-                    <a:lstStyle/>
-                    <a:p>
-                      <a:endParaRPr lang="en-US" dirty="0"/>
-                    </a:p>
-                  </a:txBody>
-                  <a:tcPr/>
-                </a:tc>
-                <a:tc>
-                  <a:txBody>
-                    <a:bodyPr/>
-                    <a:lstStyle/>
-                    <a:p>
+                      <a:r>
+                        <a:rPr lang="en-US" dirty="0"/>
+                        <a:t>18.938s for </a:t>
+                      </a:r>
+                      <a:r>
+                        <a:rPr lang="en-US"/>
+                        <a:t>10000 tuples</a:t>
+                      </a:r>
                       <a:endParaRPr lang="en-US" dirty="0"/>
                     </a:p>
                   </a:txBody>
@@ -17188,26 +17104,6 @@
                 </a:extLst>
               </a:tr>
               <a:tr h="370840">
-                <a:tc>
-                  <a:txBody>
-                    <a:bodyPr/>
-                    <a:lstStyle/>
-                    <a:p>
-                      <a:endParaRPr lang="en-US" dirty="0"/>
-                    </a:p>
-                  </a:txBody>
-                  <a:tcPr/>
-                </a:tc>
-                <a:tc>
-                  <a:txBody>
-                    <a:bodyPr/>
-                    <a:lstStyle/>
-                    <a:p>
-                      <a:endParaRPr lang="en-US" dirty="0"/>
-                    </a:p>
-                  </a:txBody>
-                  <a:tcPr/>
-                </a:tc>
                 <a:tc>
                   <a:txBody>
                     <a:bodyPr/>
@@ -17275,26 +17171,6 @@
                   </a:txBody>
                   <a:tcPr/>
                 </a:tc>
-                <a:tc>
-                  <a:txBody>
-                    <a:bodyPr/>
-                    <a:lstStyle/>
-                    <a:p>
-                      <a:endParaRPr lang="en-US" dirty="0"/>
-                    </a:p>
-                  </a:txBody>
-                  <a:tcPr/>
-                </a:tc>
-                <a:tc>
-                  <a:txBody>
-                    <a:bodyPr/>
-                    <a:lstStyle/>
-                    <a:p>
-                      <a:endParaRPr lang="en-US" dirty="0"/>
-                    </a:p>
-                  </a:txBody>
-                  <a:tcPr/>
-                </a:tc>
                 <a:extLst>
                   <a:ext uri="{0D108BD9-81ED-4DB2-BD59-A6C34878D82A}">
                     <a16:rowId xmlns:a16="http://schemas.microsoft.com/office/drawing/2014/main" val="4040153147"/>
@@ -17302,26 +17178,6 @@
                 </a:extLst>
               </a:tr>
               <a:tr h="370840">
-                <a:tc>
-                  <a:txBody>
-                    <a:bodyPr/>
-                    <a:lstStyle/>
-                    <a:p>
-                      <a:endParaRPr lang="en-US" dirty="0"/>
-                    </a:p>
-                  </a:txBody>
-                  <a:tcPr/>
-                </a:tc>
-                <a:tc>
-                  <a:txBody>
-                    <a:bodyPr/>
-                    <a:lstStyle/>
-                    <a:p>
-                      <a:endParaRPr lang="en-US" dirty="0"/>
-                    </a:p>
-                  </a:txBody>
-                  <a:tcPr/>
-                </a:tc>
                 <a:tc>
                   <a:txBody>
                     <a:bodyPr/>
@@ -17374,26 +17230,6 @@
                     <a:bodyPr/>
                     <a:lstStyle/>
                     <a:p>
-                      <a:endParaRPr lang="en-US" dirty="0"/>
-                    </a:p>
-                  </a:txBody>
-                  <a:tcPr/>
-                </a:tc>
-                <a:tc>
-                  <a:txBody>
-                    <a:bodyPr/>
-                    <a:lstStyle/>
-                    <a:p>
-                      <a:endParaRPr lang="en-US"/>
-                    </a:p>
-                  </a:txBody>
-                  <a:tcPr/>
-                </a:tc>
-                <a:tc>
-                  <a:txBody>
-                    <a:bodyPr/>
-                    <a:lstStyle/>
-                    <a:p>
                       <a:endParaRPr lang="en-US"/>
                     </a:p>
                   </a:txBody>
@@ -17416,26 +17252,6 @@
                 </a:extLst>
               </a:tr>
               <a:tr h="370840">
-                <a:tc>
-                  <a:txBody>
-                    <a:bodyPr/>
-                    <a:lstStyle/>
-                    <a:p>
-                      <a:endParaRPr lang="en-US" dirty="0"/>
-                    </a:p>
-                  </a:txBody>
-                  <a:tcPr/>
-                </a:tc>
-                <a:tc>
-                  <a:txBody>
-                    <a:bodyPr/>
-                    <a:lstStyle/>
-                    <a:p>
-                      <a:endParaRPr lang="en-US" dirty="0"/>
-                    </a:p>
-                  </a:txBody>
-                  <a:tcPr/>
-                </a:tc>
                 <a:tc>
                   <a:txBody>
                     <a:bodyPr/>

--- a/MultiWayJoin.pptx
+++ b/MultiWayJoin.pptx
@@ -215,7 +215,7 @@
           <a:p>
             <a:fld id="{7C3D36E1-8D7E-4F30-9133-B986395D6A9D}" type="datetimeFigureOut">
               <a:rPr lang="en-US" smtClean="0"/>
-              <a:t>11/27/2018</a:t>
+              <a:t>12/10/2018</a:t>
             </a:fld>
             <a:endParaRPr lang="en-US"/>
           </a:p>
@@ -616,7 +616,7 @@
           <a:noFill/>
           <a:extLst>
             <a:ext uri="{909E8E84-426E-40dd-AFC4-6F175D3DCCD1}">
-              <a14:hiddenFill xmlns:a14="http://schemas.microsoft.com/office/drawing/2010/main" xmlns="">
+              <a14:hiddenFill xmlns="" xmlns:a14="http://schemas.microsoft.com/office/drawing/2010/main">
                 <a:solidFill>
                   <a:srgbClr val="FFFFFF"/>
                 </a:solidFill>
@@ -676,7 +676,7 @@
             </a:ln>
             <a:extLst>
               <a:ext uri="{91240B29-F687-4f45-9708-019B960494DF}">
-                <a14:hiddenLine xmlns:a14="http://schemas.microsoft.com/office/drawing/2010/main" xmlns="" w="9525">
+                <a14:hiddenLine xmlns="" xmlns:a14="http://schemas.microsoft.com/office/drawing/2010/main" w="9525">
                   <a:solidFill>
                     <a:srgbClr val="000000"/>
                   </a:solidFill>
@@ -766,7 +766,7 @@
             </a:ln>
             <a:extLst>
               <a:ext uri="{91240B29-F687-4f45-9708-019B960494DF}">
-                <a14:hiddenLine xmlns:a14="http://schemas.microsoft.com/office/drawing/2010/main" xmlns="" w="9525">
+                <a14:hiddenLine xmlns="" xmlns:a14="http://schemas.microsoft.com/office/drawing/2010/main" w="9525">
                   <a:solidFill>
                     <a:srgbClr val="000000"/>
                   </a:solidFill>
@@ -856,7 +856,7 @@
             </a:ln>
             <a:extLst>
               <a:ext uri="{91240B29-F687-4f45-9708-019B960494DF}">
-                <a14:hiddenLine xmlns:a14="http://schemas.microsoft.com/office/drawing/2010/main" xmlns="" w="9525">
+                <a14:hiddenLine xmlns="" xmlns:a14="http://schemas.microsoft.com/office/drawing/2010/main" w="9525">
                   <a:solidFill>
                     <a:srgbClr val="000000"/>
                   </a:solidFill>
@@ -890,7 +890,7 @@
             </a:ln>
             <a:extLst>
               <a:ext uri="{91240B29-F687-4f45-9708-019B960494DF}">
-                <a14:hiddenLine xmlns:a14="http://schemas.microsoft.com/office/drawing/2010/main" xmlns="" w="9525">
+                <a14:hiddenLine xmlns="" xmlns:a14="http://schemas.microsoft.com/office/drawing/2010/main" w="9525">
                   <a:solidFill>
                     <a:srgbClr val="000000"/>
                   </a:solidFill>
@@ -980,7 +980,7 @@
             </a:ln>
             <a:extLst>
               <a:ext uri="{91240B29-F687-4f45-9708-019B960494DF}">
-                <a14:hiddenLine xmlns:a14="http://schemas.microsoft.com/office/drawing/2010/main" xmlns="" w="9525">
+                <a14:hiddenLine xmlns="" xmlns:a14="http://schemas.microsoft.com/office/drawing/2010/main" w="9525">
                   <a:solidFill>
                     <a:srgbClr val="000000"/>
                   </a:solidFill>
@@ -1042,7 +1042,7 @@
             </a:ln>
             <a:extLst>
               <a:ext uri="{91240B29-F687-4f45-9708-019B960494DF}">
-                <a14:hiddenLine xmlns:a14="http://schemas.microsoft.com/office/drawing/2010/main" xmlns="" w="9525">
+                <a14:hiddenLine xmlns="" xmlns:a14="http://schemas.microsoft.com/office/drawing/2010/main" w="9525">
                   <a:solidFill>
                     <a:srgbClr val="000000"/>
                   </a:solidFill>
@@ -1104,7 +1104,7 @@
             </a:ln>
             <a:extLst>
               <a:ext uri="{91240B29-F687-4f45-9708-019B960494DF}">
-                <a14:hiddenLine xmlns:a14="http://schemas.microsoft.com/office/drawing/2010/main" xmlns="" w="9525">
+                <a14:hiddenLine xmlns="" xmlns:a14="http://schemas.microsoft.com/office/drawing/2010/main" w="9525">
                   <a:solidFill>
                     <a:srgbClr val="000000"/>
                   </a:solidFill>
@@ -1194,7 +1194,7 @@
             </a:ln>
             <a:extLst>
               <a:ext uri="{91240B29-F687-4f45-9708-019B960494DF}">
-                <a14:hiddenLine xmlns:a14="http://schemas.microsoft.com/office/drawing/2010/main" xmlns="" w="9525">
+                <a14:hiddenLine xmlns="" xmlns:a14="http://schemas.microsoft.com/office/drawing/2010/main" w="9525">
                   <a:solidFill>
                     <a:srgbClr val="000000"/>
                   </a:solidFill>
@@ -1256,7 +1256,7 @@
             </a:ln>
             <a:extLst>
               <a:ext uri="{91240B29-F687-4f45-9708-019B960494DF}">
-                <a14:hiddenLine xmlns:a14="http://schemas.microsoft.com/office/drawing/2010/main" xmlns="" w="9525">
+                <a14:hiddenLine xmlns="" xmlns:a14="http://schemas.microsoft.com/office/drawing/2010/main" w="9525">
                   <a:solidFill>
                     <a:srgbClr val="000000"/>
                   </a:solidFill>
@@ -1318,7 +1318,7 @@
             </a:ln>
             <a:extLst>
               <a:ext uri="{91240B29-F687-4f45-9708-019B960494DF}">
-                <a14:hiddenLine xmlns:a14="http://schemas.microsoft.com/office/drawing/2010/main" xmlns="" w="9525">
+                <a14:hiddenLine xmlns="" xmlns:a14="http://schemas.microsoft.com/office/drawing/2010/main" w="9525">
                   <a:solidFill>
                     <a:srgbClr val="000000"/>
                   </a:solidFill>
@@ -1408,7 +1408,7 @@
             </a:ln>
             <a:extLst>
               <a:ext uri="{91240B29-F687-4f45-9708-019B960494DF}">
-                <a14:hiddenLine xmlns:a14="http://schemas.microsoft.com/office/drawing/2010/main" xmlns="" w="9525">
+                <a14:hiddenLine xmlns="" xmlns:a14="http://schemas.microsoft.com/office/drawing/2010/main" w="9525">
                   <a:solidFill>
                     <a:srgbClr val="000000"/>
                   </a:solidFill>
@@ -1498,7 +1498,7 @@
             </a:ln>
             <a:extLst>
               <a:ext uri="{91240B29-F687-4f45-9708-019B960494DF}">
-                <a14:hiddenLine xmlns:a14="http://schemas.microsoft.com/office/drawing/2010/main" xmlns="" w="9525">
+                <a14:hiddenLine xmlns="" xmlns:a14="http://schemas.microsoft.com/office/drawing/2010/main" w="9525">
                   <a:solidFill>
                     <a:srgbClr val="000000"/>
                   </a:solidFill>
@@ -1560,7 +1560,7 @@
             </a:ln>
             <a:extLst>
               <a:ext uri="{91240B29-F687-4f45-9708-019B960494DF}">
-                <a14:hiddenLine xmlns:a14="http://schemas.microsoft.com/office/drawing/2010/main" xmlns="" w="9525">
+                <a14:hiddenLine xmlns="" xmlns:a14="http://schemas.microsoft.com/office/drawing/2010/main" w="9525">
                   <a:solidFill>
                     <a:srgbClr val="000000"/>
                   </a:solidFill>
@@ -1670,7 +1670,7 @@
             </a:ln>
             <a:extLst>
               <a:ext uri="{91240B29-F687-4f45-9708-019B960494DF}">
-                <a14:hiddenLine xmlns:a14="http://schemas.microsoft.com/office/drawing/2010/main" xmlns="" w="9525">
+                <a14:hiddenLine xmlns="" xmlns:a14="http://schemas.microsoft.com/office/drawing/2010/main" w="9525">
                   <a:solidFill>
                     <a:srgbClr val="000000"/>
                   </a:solidFill>
@@ -1732,7 +1732,7 @@
             </a:ln>
             <a:extLst>
               <a:ext uri="{91240B29-F687-4f45-9708-019B960494DF}">
-                <a14:hiddenLine xmlns:a14="http://schemas.microsoft.com/office/drawing/2010/main" xmlns="" w="9525">
+                <a14:hiddenLine xmlns="" xmlns:a14="http://schemas.microsoft.com/office/drawing/2010/main" w="9525">
                   <a:solidFill>
                     <a:srgbClr val="000000"/>
                   </a:solidFill>
@@ -1822,7 +1822,7 @@
             </a:ln>
             <a:extLst>
               <a:ext uri="{91240B29-F687-4f45-9708-019B960494DF}">
-                <a14:hiddenLine xmlns:a14="http://schemas.microsoft.com/office/drawing/2010/main" xmlns="" w="9525">
+                <a14:hiddenLine xmlns="" xmlns:a14="http://schemas.microsoft.com/office/drawing/2010/main" w="9525">
                   <a:solidFill>
                     <a:srgbClr val="000000"/>
                   </a:solidFill>
@@ -1912,7 +1912,7 @@
             </a:ln>
             <a:extLst>
               <a:ext uri="{91240B29-F687-4f45-9708-019B960494DF}">
-                <a14:hiddenLine xmlns:a14="http://schemas.microsoft.com/office/drawing/2010/main" xmlns="" w="9525">
+                <a14:hiddenLine xmlns="" xmlns:a14="http://schemas.microsoft.com/office/drawing/2010/main" w="9525">
                   <a:solidFill>
                     <a:srgbClr val="000000"/>
                   </a:solidFill>
@@ -1974,7 +1974,7 @@
             </a:ln>
             <a:extLst>
               <a:ext uri="{91240B29-F687-4f45-9708-019B960494DF}">
-                <a14:hiddenLine xmlns:a14="http://schemas.microsoft.com/office/drawing/2010/main" xmlns="" w="9525">
+                <a14:hiddenLine xmlns="" xmlns:a14="http://schemas.microsoft.com/office/drawing/2010/main" w="9525">
                   <a:solidFill>
                     <a:srgbClr val="000000"/>
                   </a:solidFill>
@@ -2064,7 +2064,7 @@
             </a:ln>
             <a:extLst>
               <a:ext uri="{91240B29-F687-4f45-9708-019B960494DF}">
-                <a14:hiddenLine xmlns:a14="http://schemas.microsoft.com/office/drawing/2010/main" xmlns="" w="9525">
+                <a14:hiddenLine xmlns="" xmlns:a14="http://schemas.microsoft.com/office/drawing/2010/main" w="9525">
                   <a:solidFill>
                     <a:srgbClr val="000000"/>
                   </a:solidFill>
@@ -2154,7 +2154,7 @@
             </a:ln>
             <a:extLst>
               <a:ext uri="{91240B29-F687-4f45-9708-019B960494DF}">
-                <a14:hiddenLine xmlns:a14="http://schemas.microsoft.com/office/drawing/2010/main" xmlns="" w="9525">
+                <a14:hiddenLine xmlns="" xmlns:a14="http://schemas.microsoft.com/office/drawing/2010/main" w="9525">
                   <a:solidFill>
                     <a:srgbClr val="000000"/>
                   </a:solidFill>
@@ -2210,7 +2210,7 @@
             </a:ln>
             <a:extLst>
               <a:ext uri="{91240B29-F687-4f45-9708-019B960494DF}">
-                <a14:hiddenLine xmlns:a14="http://schemas.microsoft.com/office/drawing/2010/main" xmlns="" w="9525">
+                <a14:hiddenLine xmlns="" xmlns:a14="http://schemas.microsoft.com/office/drawing/2010/main" w="9525">
                   <a:solidFill>
                     <a:srgbClr val="000000"/>
                   </a:solidFill>
@@ -2300,7 +2300,7 @@
             </a:ln>
             <a:extLst>
               <a:ext uri="{91240B29-F687-4f45-9708-019B960494DF}">
-                <a14:hiddenLine xmlns:a14="http://schemas.microsoft.com/office/drawing/2010/main" xmlns="" w="9525">
+                <a14:hiddenLine xmlns="" xmlns:a14="http://schemas.microsoft.com/office/drawing/2010/main" w="9525">
                   <a:solidFill>
                     <a:srgbClr val="000000"/>
                   </a:solidFill>
@@ -2356,7 +2356,7 @@
             </a:ln>
             <a:extLst>
               <a:ext uri="{91240B29-F687-4f45-9708-019B960494DF}">
-                <a14:hiddenLine xmlns:a14="http://schemas.microsoft.com/office/drawing/2010/main" xmlns="" w="9525">
+                <a14:hiddenLine xmlns="" xmlns:a14="http://schemas.microsoft.com/office/drawing/2010/main" w="9525">
                   <a:solidFill>
                     <a:srgbClr val="000000"/>
                   </a:solidFill>
@@ -2446,7 +2446,7 @@
             </a:ln>
             <a:extLst>
               <a:ext uri="{91240B29-F687-4f45-9708-019B960494DF}">
-                <a14:hiddenLine xmlns:a14="http://schemas.microsoft.com/office/drawing/2010/main" xmlns="" w="9525">
+                <a14:hiddenLine xmlns="" xmlns:a14="http://schemas.microsoft.com/office/drawing/2010/main" w="9525">
                   <a:solidFill>
                     <a:srgbClr val="000000"/>
                   </a:solidFill>
@@ -2514,7 +2514,7 @@
             </a:ln>
             <a:extLst>
               <a:ext uri="{91240B29-F687-4f45-9708-019B960494DF}">
-                <a14:hiddenLine xmlns:a14="http://schemas.microsoft.com/office/drawing/2010/main" xmlns="" w="9525">
+                <a14:hiddenLine xmlns="" xmlns:a14="http://schemas.microsoft.com/office/drawing/2010/main" w="9525">
                   <a:solidFill>
                     <a:srgbClr val="000000"/>
                   </a:solidFill>
@@ -2604,7 +2604,7 @@
             </a:ln>
             <a:extLst>
               <a:ext uri="{91240B29-F687-4f45-9708-019B960494DF}">
-                <a14:hiddenLine xmlns:a14="http://schemas.microsoft.com/office/drawing/2010/main" xmlns="" w="9525">
+                <a14:hiddenLine xmlns="" xmlns:a14="http://schemas.microsoft.com/office/drawing/2010/main" w="9525">
                   <a:solidFill>
                     <a:srgbClr val="000000"/>
                   </a:solidFill>
@@ -2672,7 +2672,7 @@
             </a:ln>
             <a:extLst>
               <a:ext uri="{91240B29-F687-4f45-9708-019B960494DF}">
-                <a14:hiddenLine xmlns:a14="http://schemas.microsoft.com/office/drawing/2010/main" xmlns="" w="9525">
+                <a14:hiddenLine xmlns="" xmlns:a14="http://schemas.microsoft.com/office/drawing/2010/main" w="9525">
                   <a:solidFill>
                     <a:srgbClr val="000000"/>
                   </a:solidFill>
@@ -2762,7 +2762,7 @@
             </a:ln>
             <a:extLst>
               <a:ext uri="{91240B29-F687-4f45-9708-019B960494DF}">
-                <a14:hiddenLine xmlns:a14="http://schemas.microsoft.com/office/drawing/2010/main" xmlns="" w="9525">
+                <a14:hiddenLine xmlns="" xmlns:a14="http://schemas.microsoft.com/office/drawing/2010/main" w="9525">
                   <a:solidFill>
                     <a:srgbClr val="000000"/>
                   </a:solidFill>
@@ -2796,7 +2796,7 @@
             </a:ln>
             <a:extLst>
               <a:ext uri="{91240B29-F687-4f45-9708-019B960494DF}">
-                <a14:hiddenLine xmlns:a14="http://schemas.microsoft.com/office/drawing/2010/main" xmlns="" w="9525">
+                <a14:hiddenLine xmlns="" xmlns:a14="http://schemas.microsoft.com/office/drawing/2010/main" w="9525">
                   <a:solidFill>
                     <a:srgbClr val="000000"/>
                   </a:solidFill>
@@ -2886,7 +2886,7 @@
             </a:ln>
             <a:extLst>
               <a:ext uri="{91240B29-F687-4f45-9708-019B960494DF}">
-                <a14:hiddenLine xmlns:a14="http://schemas.microsoft.com/office/drawing/2010/main" xmlns="" w="9525">
+                <a14:hiddenLine xmlns="" xmlns:a14="http://schemas.microsoft.com/office/drawing/2010/main" w="9525">
                   <a:solidFill>
                     <a:srgbClr val="000000"/>
                   </a:solidFill>
@@ -2948,7 +2948,7 @@
             </a:ln>
             <a:extLst>
               <a:ext uri="{91240B29-F687-4f45-9708-019B960494DF}">
-                <a14:hiddenLine xmlns:a14="http://schemas.microsoft.com/office/drawing/2010/main" xmlns="" w="9525">
+                <a14:hiddenLine xmlns="" xmlns:a14="http://schemas.microsoft.com/office/drawing/2010/main" w="9525">
                   <a:solidFill>
                     <a:srgbClr val="000000"/>
                   </a:solidFill>
@@ -3010,7 +3010,7 @@
             </a:ln>
             <a:extLst>
               <a:ext uri="{91240B29-F687-4f45-9708-019B960494DF}">
-                <a14:hiddenLine xmlns:a14="http://schemas.microsoft.com/office/drawing/2010/main" xmlns="" w="9525">
+                <a14:hiddenLine xmlns="" xmlns:a14="http://schemas.microsoft.com/office/drawing/2010/main" w="9525">
                   <a:solidFill>
                     <a:srgbClr val="000000"/>
                   </a:solidFill>
@@ -3100,7 +3100,7 @@
             </a:ln>
             <a:extLst>
               <a:ext uri="{91240B29-F687-4f45-9708-019B960494DF}">
-                <a14:hiddenLine xmlns:a14="http://schemas.microsoft.com/office/drawing/2010/main" xmlns="" w="9525">
+                <a14:hiddenLine xmlns="" xmlns:a14="http://schemas.microsoft.com/office/drawing/2010/main" w="9525">
                   <a:solidFill>
                     <a:srgbClr val="000000"/>
                   </a:solidFill>
@@ -3168,7 +3168,7 @@
             </a:ln>
             <a:extLst>
               <a:ext uri="{91240B29-F687-4f45-9708-019B960494DF}">
-                <a14:hiddenLine xmlns:a14="http://schemas.microsoft.com/office/drawing/2010/main" xmlns="" w="9525">
+                <a14:hiddenLine xmlns="" xmlns:a14="http://schemas.microsoft.com/office/drawing/2010/main" w="9525">
                   <a:solidFill>
                     <a:srgbClr val="000000"/>
                   </a:solidFill>
@@ -3230,7 +3230,7 @@
             </a:ln>
             <a:extLst>
               <a:ext uri="{91240B29-F687-4f45-9708-019B960494DF}">
-                <a14:hiddenLine xmlns:a14="http://schemas.microsoft.com/office/drawing/2010/main" xmlns="" w="9525">
+                <a14:hiddenLine xmlns="" xmlns:a14="http://schemas.microsoft.com/office/drawing/2010/main" w="9525">
                   <a:solidFill>
                     <a:srgbClr val="000000"/>
                   </a:solidFill>
@@ -3320,7 +3320,7 @@
             </a:ln>
             <a:extLst>
               <a:ext uri="{91240B29-F687-4f45-9708-019B960494DF}">
-                <a14:hiddenLine xmlns:a14="http://schemas.microsoft.com/office/drawing/2010/main" xmlns="" w="9525">
+                <a14:hiddenLine xmlns="" xmlns:a14="http://schemas.microsoft.com/office/drawing/2010/main" w="9525">
                   <a:solidFill>
                     <a:srgbClr val="000000"/>
                   </a:solidFill>
@@ -3382,7 +3382,7 @@
             </a:ln>
             <a:extLst>
               <a:ext uri="{91240B29-F687-4f45-9708-019B960494DF}">
-                <a14:hiddenLine xmlns:a14="http://schemas.microsoft.com/office/drawing/2010/main" xmlns="" w="9525">
+                <a14:hiddenLine xmlns="" xmlns:a14="http://schemas.microsoft.com/office/drawing/2010/main" w="9525">
                   <a:solidFill>
                     <a:srgbClr val="000000"/>
                   </a:solidFill>
@@ -3472,7 +3472,7 @@
             </a:ln>
             <a:extLst>
               <a:ext uri="{91240B29-F687-4f45-9708-019B960494DF}">
-                <a14:hiddenLine xmlns:a14="http://schemas.microsoft.com/office/drawing/2010/main" xmlns="" w="9525">
+                <a14:hiddenLine xmlns="" xmlns:a14="http://schemas.microsoft.com/office/drawing/2010/main" w="9525">
                   <a:solidFill>
                     <a:srgbClr val="000000"/>
                   </a:solidFill>
@@ -3534,7 +3534,7 @@
             </a:ln>
             <a:extLst>
               <a:ext uri="{91240B29-F687-4f45-9708-019B960494DF}">
-                <a14:hiddenLine xmlns:a14="http://schemas.microsoft.com/office/drawing/2010/main" xmlns="" w="9525">
+                <a14:hiddenLine xmlns="" xmlns:a14="http://schemas.microsoft.com/office/drawing/2010/main" w="9525">
                   <a:solidFill>
                     <a:srgbClr val="000000"/>
                   </a:solidFill>
@@ -3624,7 +3624,7 @@
             </a:ln>
             <a:extLst>
               <a:ext uri="{91240B29-F687-4f45-9708-019B960494DF}">
-                <a14:hiddenLine xmlns:a14="http://schemas.microsoft.com/office/drawing/2010/main" xmlns="" w="9525">
+                <a14:hiddenLine xmlns="" xmlns:a14="http://schemas.microsoft.com/office/drawing/2010/main" w="9525">
                   <a:solidFill>
                     <a:srgbClr val="000000"/>
                   </a:solidFill>
@@ -3658,7 +3658,7 @@
             </a:ln>
             <a:extLst>
               <a:ext uri="{91240B29-F687-4f45-9708-019B960494DF}">
-                <a14:hiddenLine xmlns:a14="http://schemas.microsoft.com/office/drawing/2010/main" xmlns="" w="9525">
+                <a14:hiddenLine xmlns="" xmlns:a14="http://schemas.microsoft.com/office/drawing/2010/main" w="9525">
                   <a:solidFill>
                     <a:srgbClr val="000000"/>
                   </a:solidFill>
@@ -3723,7 +3723,7 @@
             </a:ln>
             <a:extLst>
               <a:ext uri="{91240B29-F687-4f45-9708-019B960494DF}">
-                <a14:hiddenLine xmlns:a14="http://schemas.microsoft.com/office/drawing/2010/main" xmlns="" w="9525">
+                <a14:hiddenLine xmlns="" xmlns:a14="http://schemas.microsoft.com/office/drawing/2010/main" w="9525">
                   <a:solidFill>
                     <a:srgbClr val="000000"/>
                   </a:solidFill>
@@ -3813,7 +3813,7 @@
             </a:ln>
             <a:extLst>
               <a:ext uri="{91240B29-F687-4f45-9708-019B960494DF}">
-                <a14:hiddenLine xmlns:a14="http://schemas.microsoft.com/office/drawing/2010/main" xmlns="" w="9525">
+                <a14:hiddenLine xmlns="" xmlns:a14="http://schemas.microsoft.com/office/drawing/2010/main" w="9525">
                   <a:solidFill>
                     <a:srgbClr val="000000"/>
                   </a:solidFill>
@@ -3875,7 +3875,7 @@
             </a:ln>
             <a:extLst>
               <a:ext uri="{91240B29-F687-4f45-9708-019B960494DF}">
-                <a14:hiddenLine xmlns:a14="http://schemas.microsoft.com/office/drawing/2010/main" xmlns="" w="9525">
+                <a14:hiddenLine xmlns="" xmlns:a14="http://schemas.microsoft.com/office/drawing/2010/main" w="9525">
                   <a:solidFill>
                     <a:srgbClr val="000000"/>
                   </a:solidFill>
@@ -3965,7 +3965,7 @@
             </a:ln>
             <a:extLst>
               <a:ext uri="{91240B29-F687-4f45-9708-019B960494DF}">
-                <a14:hiddenLine xmlns:a14="http://schemas.microsoft.com/office/drawing/2010/main" xmlns="" w="9525">
+                <a14:hiddenLine xmlns="" xmlns:a14="http://schemas.microsoft.com/office/drawing/2010/main" w="9525">
                   <a:solidFill>
                     <a:srgbClr val="000000"/>
                   </a:solidFill>
@@ -4055,7 +4055,7 @@
             </a:ln>
             <a:extLst>
               <a:ext uri="{91240B29-F687-4f45-9708-019B960494DF}">
-                <a14:hiddenLine xmlns:a14="http://schemas.microsoft.com/office/drawing/2010/main" xmlns="" w="9525">
+                <a14:hiddenLine xmlns="" xmlns:a14="http://schemas.microsoft.com/office/drawing/2010/main" w="9525">
                   <a:solidFill>
                     <a:srgbClr val="000000"/>
                   </a:solidFill>
@@ -4120,7 +4120,7 @@
             </a:ln>
             <a:extLst>
               <a:ext uri="{91240B29-F687-4f45-9708-019B960494DF}">
-                <a14:hiddenLine xmlns:a14="http://schemas.microsoft.com/office/drawing/2010/main" xmlns="" w="9525">
+                <a14:hiddenLine xmlns="" xmlns:a14="http://schemas.microsoft.com/office/drawing/2010/main" w="9525">
                   <a:solidFill>
                     <a:srgbClr val="000000"/>
                   </a:solidFill>
@@ -4182,7 +4182,7 @@
             </a:ln>
             <a:extLst>
               <a:ext uri="{91240B29-F687-4f45-9708-019B960494DF}">
-                <a14:hiddenLine xmlns:a14="http://schemas.microsoft.com/office/drawing/2010/main" xmlns="" w="9525">
+                <a14:hiddenLine xmlns="" xmlns:a14="http://schemas.microsoft.com/office/drawing/2010/main" w="9525">
                   <a:solidFill>
                     <a:srgbClr val="000000"/>
                   </a:solidFill>
@@ -4272,7 +4272,7 @@
             </a:ln>
             <a:extLst>
               <a:ext uri="{91240B29-F687-4f45-9708-019B960494DF}">
-                <a14:hiddenLine xmlns:a14="http://schemas.microsoft.com/office/drawing/2010/main" xmlns="" w="9525">
+                <a14:hiddenLine xmlns="" xmlns:a14="http://schemas.microsoft.com/office/drawing/2010/main" w="9525">
                   <a:solidFill>
                     <a:srgbClr val="000000"/>
                   </a:solidFill>
@@ -4362,7 +4362,7 @@
             </a:ln>
             <a:extLst>
               <a:ext uri="{91240B29-F687-4f45-9708-019B960494DF}">
-                <a14:hiddenLine xmlns:a14="http://schemas.microsoft.com/office/drawing/2010/main" xmlns="" w="9525">
+                <a14:hiddenLine xmlns="" xmlns:a14="http://schemas.microsoft.com/office/drawing/2010/main" w="9525">
                   <a:solidFill>
                     <a:srgbClr val="000000"/>
                   </a:solidFill>
@@ -4424,7 +4424,7 @@
             </a:ln>
             <a:extLst>
               <a:ext uri="{91240B29-F687-4f45-9708-019B960494DF}">
-                <a14:hiddenLine xmlns:a14="http://schemas.microsoft.com/office/drawing/2010/main" xmlns="" w="9525">
+                <a14:hiddenLine xmlns="" xmlns:a14="http://schemas.microsoft.com/office/drawing/2010/main" w="9525">
                   <a:solidFill>
                     <a:srgbClr val="000000"/>
                   </a:solidFill>
@@ -4544,7 +4544,7 @@
             </a:ln>
             <a:extLst>
               <a:ext uri="{91240B29-F687-4f45-9708-019B960494DF}">
-                <a14:hiddenLine xmlns:a14="http://schemas.microsoft.com/office/drawing/2010/main" xmlns="" w="9525">
+                <a14:hiddenLine xmlns="" xmlns:a14="http://schemas.microsoft.com/office/drawing/2010/main" w="9525">
                   <a:solidFill>
                     <a:srgbClr val="000000"/>
                   </a:solidFill>
@@ -4612,7 +4612,7 @@
             </a:ln>
             <a:extLst>
               <a:ext uri="{91240B29-F687-4f45-9708-019B960494DF}">
-                <a14:hiddenLine xmlns:a14="http://schemas.microsoft.com/office/drawing/2010/main" xmlns="" w="9525">
+                <a14:hiddenLine xmlns="" xmlns:a14="http://schemas.microsoft.com/office/drawing/2010/main" w="9525">
                   <a:solidFill>
                     <a:srgbClr val="000000"/>
                   </a:solidFill>
@@ -4702,7 +4702,7 @@
             </a:ln>
             <a:extLst>
               <a:ext uri="{91240B29-F687-4f45-9708-019B960494DF}">
-                <a14:hiddenLine xmlns:a14="http://schemas.microsoft.com/office/drawing/2010/main" xmlns="" w="9525">
+                <a14:hiddenLine xmlns="" xmlns:a14="http://schemas.microsoft.com/office/drawing/2010/main" w="9525">
                   <a:solidFill>
                     <a:srgbClr val="000000"/>
                   </a:solidFill>
@@ -4842,7 +4842,7 @@
           <a:p>
             <a:fld id="{5576B12A-8ED0-474F-B569-C520DE5BEE77}" type="datetimeFigureOut">
               <a:rPr lang="en-US" smtClean="0"/>
-              <a:t>11/27/2018</a:t>
+              <a:t>12/10/2018</a:t>
             </a:fld>
             <a:endParaRPr lang="en-US"/>
           </a:p>
@@ -5109,7 +5109,7 @@
           <a:p>
             <a:fld id="{5576B12A-8ED0-474F-B569-C520DE5BEE77}" type="datetimeFigureOut">
               <a:rPr lang="en-US" smtClean="0"/>
-              <a:t>11/27/2018</a:t>
+              <a:t>12/10/2018</a:t>
             </a:fld>
             <a:endParaRPr lang="en-US"/>
           </a:p>
@@ -5305,7 +5305,7 @@
           <a:p>
             <a:fld id="{5576B12A-8ED0-474F-B569-C520DE5BEE77}" type="datetimeFigureOut">
               <a:rPr lang="en-US" smtClean="0"/>
-              <a:t>11/27/2018</a:t>
+              <a:t>12/10/2018</a:t>
             </a:fld>
             <a:endParaRPr lang="en-US"/>
           </a:p>
@@ -5568,7 +5568,7 @@
           <a:p>
             <a:fld id="{5576B12A-8ED0-474F-B569-C520DE5BEE77}" type="datetimeFigureOut">
               <a:rPr lang="en-US" smtClean="0"/>
-              <a:t>11/27/2018</a:t>
+              <a:t>12/10/2018</a:t>
             </a:fld>
             <a:endParaRPr lang="en-US"/>
           </a:p>
@@ -6002,7 +6002,7 @@
           <a:p>
             <a:fld id="{5576B12A-8ED0-474F-B569-C520DE5BEE77}" type="datetimeFigureOut">
               <a:rPr lang="en-US" smtClean="0"/>
-              <a:t>11/27/2018</a:t>
+              <a:t>12/10/2018</a:t>
             </a:fld>
             <a:endParaRPr lang="en-US"/>
           </a:p>
@@ -6548,7 +6548,7 @@
           <a:p>
             <a:fld id="{5576B12A-8ED0-474F-B569-C520DE5BEE77}" type="datetimeFigureOut">
               <a:rPr lang="en-US" smtClean="0"/>
-              <a:t>11/27/2018</a:t>
+              <a:t>12/10/2018</a:t>
             </a:fld>
             <a:endParaRPr lang="en-US"/>
           </a:p>
@@ -7268,7 +7268,7 @@
           <a:p>
             <a:fld id="{5576B12A-8ED0-474F-B569-C520DE5BEE77}" type="datetimeFigureOut">
               <a:rPr lang="en-US" smtClean="0"/>
-              <a:t>11/27/2018</a:t>
+              <a:t>12/10/2018</a:t>
             </a:fld>
             <a:endParaRPr lang="en-US"/>
           </a:p>
@@ -7438,7 +7438,7 @@
           <a:p>
             <a:fld id="{5576B12A-8ED0-474F-B569-C520DE5BEE77}" type="datetimeFigureOut">
               <a:rPr lang="en-US" smtClean="0"/>
-              <a:t>11/27/2018</a:t>
+              <a:t>12/10/2018</a:t>
             </a:fld>
             <a:endParaRPr lang="en-US"/>
           </a:p>
@@ -7618,7 +7618,7 @@
           <a:p>
             <a:fld id="{5576B12A-8ED0-474F-B569-C520DE5BEE77}" type="datetimeFigureOut">
               <a:rPr lang="en-US" smtClean="0"/>
-              <a:t>11/27/2018</a:t>
+              <a:t>12/10/2018</a:t>
             </a:fld>
             <a:endParaRPr lang="en-US"/>
           </a:p>
@@ -7788,7 +7788,7 @@
           <a:p>
             <a:fld id="{5576B12A-8ED0-474F-B569-C520DE5BEE77}" type="datetimeFigureOut">
               <a:rPr lang="en-US" smtClean="0"/>
-              <a:t>11/27/2018</a:t>
+              <a:t>12/10/2018</a:t>
             </a:fld>
             <a:endParaRPr lang="en-US"/>
           </a:p>
@@ -8038,7 +8038,7 @@
           <a:p>
             <a:fld id="{5576B12A-8ED0-474F-B569-C520DE5BEE77}" type="datetimeFigureOut">
               <a:rPr lang="en-US" smtClean="0"/>
-              <a:t>11/27/2018</a:t>
+              <a:t>12/10/2018</a:t>
             </a:fld>
             <a:endParaRPr lang="en-US"/>
           </a:p>
@@ -8270,7 +8270,7 @@
           <a:p>
             <a:fld id="{5576B12A-8ED0-474F-B569-C520DE5BEE77}" type="datetimeFigureOut">
               <a:rPr lang="en-US" smtClean="0"/>
-              <a:t>11/27/2018</a:t>
+              <a:t>12/10/2018</a:t>
             </a:fld>
             <a:endParaRPr lang="en-US"/>
           </a:p>
@@ -8651,7 +8651,7 @@
           <a:p>
             <a:fld id="{5576B12A-8ED0-474F-B569-C520DE5BEE77}" type="datetimeFigureOut">
               <a:rPr lang="en-US" smtClean="0"/>
-              <a:t>11/27/2018</a:t>
+              <a:t>12/10/2018</a:t>
             </a:fld>
             <a:endParaRPr lang="en-US"/>
           </a:p>
@@ -8769,7 +8769,7 @@
           <a:p>
             <a:fld id="{5576B12A-8ED0-474F-B569-C520DE5BEE77}" type="datetimeFigureOut">
               <a:rPr lang="en-US" smtClean="0"/>
-              <a:t>11/27/2018</a:t>
+              <a:t>12/10/2018</a:t>
             </a:fld>
             <a:endParaRPr lang="en-US"/>
           </a:p>
@@ -8864,7 +8864,7 @@
           <a:p>
             <a:fld id="{5576B12A-8ED0-474F-B569-C520DE5BEE77}" type="datetimeFigureOut">
               <a:rPr lang="en-US" smtClean="0"/>
-              <a:t>11/27/2018</a:t>
+              <a:t>12/10/2018</a:t>
             </a:fld>
             <a:endParaRPr lang="en-US"/>
           </a:p>
@@ -9113,7 +9113,7 @@
           <a:p>
             <a:fld id="{5576B12A-8ED0-474F-B569-C520DE5BEE77}" type="datetimeFigureOut">
               <a:rPr lang="en-US" smtClean="0"/>
-              <a:t>11/27/2018</a:t>
+              <a:t>12/10/2018</a:t>
             </a:fld>
             <a:endParaRPr lang="en-US"/>
           </a:p>
@@ -9393,7 +9393,7 @@
           <a:p>
             <a:fld id="{5576B12A-8ED0-474F-B569-C520DE5BEE77}" type="datetimeFigureOut">
               <a:rPr lang="en-US" smtClean="0"/>
-              <a:t>11/27/2018</a:t>
+              <a:t>12/10/2018</a:t>
             </a:fld>
             <a:endParaRPr lang="en-US"/>
           </a:p>
@@ -9509,7 +9509,7 @@
           <a:noFill/>
           <a:extLst>
             <a:ext uri="{909E8E84-426E-40dd-AFC4-6F175D3DCCD1}">
-              <a14:hiddenFill xmlns:a14="http://schemas.microsoft.com/office/drawing/2010/main" xmlns="">
+              <a14:hiddenFill xmlns="" xmlns:a14="http://schemas.microsoft.com/office/drawing/2010/main">
                 <a:solidFill>
                   <a:srgbClr val="FFFFFF"/>
                 </a:solidFill>
@@ -9583,7 +9583,7 @@
               </a:ln>
               <a:extLst>
                 <a:ext uri="{91240B29-F687-4f45-9708-019B960494DF}">
-                  <a14:hiddenLine xmlns:a14="http://schemas.microsoft.com/office/drawing/2010/main" xmlns="" w="9525">
+                  <a14:hiddenLine xmlns="" xmlns:a14="http://schemas.microsoft.com/office/drawing/2010/main" w="9525">
                     <a:solidFill>
                       <a:srgbClr val="000000"/>
                     </a:solidFill>
@@ -9673,7 +9673,7 @@
               </a:ln>
               <a:extLst>
                 <a:ext uri="{91240B29-F687-4f45-9708-019B960494DF}">
-                  <a14:hiddenLine xmlns:a14="http://schemas.microsoft.com/office/drawing/2010/main" xmlns="" w="9525">
+                  <a14:hiddenLine xmlns="" xmlns:a14="http://schemas.microsoft.com/office/drawing/2010/main" w="9525">
                     <a:solidFill>
                       <a:srgbClr val="000000"/>
                     </a:solidFill>
@@ -9763,7 +9763,7 @@
               </a:ln>
               <a:extLst>
                 <a:ext uri="{91240B29-F687-4f45-9708-019B960494DF}">
-                  <a14:hiddenLine xmlns:a14="http://schemas.microsoft.com/office/drawing/2010/main" xmlns="" w="9525">
+                  <a14:hiddenLine xmlns="" xmlns:a14="http://schemas.microsoft.com/office/drawing/2010/main" w="9525">
                     <a:solidFill>
                       <a:srgbClr val="000000"/>
                     </a:solidFill>
@@ -9825,7 +9825,7 @@
               </a:ln>
               <a:extLst>
                 <a:ext uri="{91240B29-F687-4f45-9708-019B960494DF}">
-                  <a14:hiddenLine xmlns:a14="http://schemas.microsoft.com/office/drawing/2010/main" xmlns="" w="9525">
+                  <a14:hiddenLine xmlns="" xmlns:a14="http://schemas.microsoft.com/office/drawing/2010/main" w="9525">
                     <a:solidFill>
                       <a:srgbClr val="000000"/>
                     </a:solidFill>
@@ -9915,7 +9915,7 @@
               </a:ln>
               <a:extLst>
                 <a:ext uri="{91240B29-F687-4f45-9708-019B960494DF}">
-                  <a14:hiddenLine xmlns:a14="http://schemas.microsoft.com/office/drawing/2010/main" xmlns="" w="9525">
+                  <a14:hiddenLine xmlns="" xmlns:a14="http://schemas.microsoft.com/office/drawing/2010/main" w="9525">
                     <a:solidFill>
                       <a:srgbClr val="000000"/>
                     </a:solidFill>
@@ -9977,7 +9977,7 @@
               </a:ln>
               <a:extLst>
                 <a:ext uri="{91240B29-F687-4f45-9708-019B960494DF}">
-                  <a14:hiddenLine xmlns:a14="http://schemas.microsoft.com/office/drawing/2010/main" xmlns="" w="9525">
+                  <a14:hiddenLine xmlns="" xmlns:a14="http://schemas.microsoft.com/office/drawing/2010/main" w="9525">
                     <a:solidFill>
                       <a:srgbClr val="000000"/>
                     </a:solidFill>
@@ -10039,7 +10039,7 @@
               </a:ln>
               <a:extLst>
                 <a:ext uri="{91240B29-F687-4f45-9708-019B960494DF}">
-                  <a14:hiddenLine xmlns:a14="http://schemas.microsoft.com/office/drawing/2010/main" xmlns="" w="9525">
+                  <a14:hiddenLine xmlns="" xmlns:a14="http://schemas.microsoft.com/office/drawing/2010/main" w="9525">
                     <a:solidFill>
                       <a:srgbClr val="000000"/>
                     </a:solidFill>
@@ -10129,7 +10129,7 @@
               </a:ln>
               <a:extLst>
                 <a:ext uri="{91240B29-F687-4f45-9708-019B960494DF}">
-                  <a14:hiddenLine xmlns:a14="http://schemas.microsoft.com/office/drawing/2010/main" xmlns="" w="9525">
+                  <a14:hiddenLine xmlns="" xmlns:a14="http://schemas.microsoft.com/office/drawing/2010/main" w="9525">
                     <a:solidFill>
                       <a:srgbClr val="000000"/>
                     </a:solidFill>
@@ -10219,7 +10219,7 @@
               </a:ln>
               <a:extLst>
                 <a:ext uri="{91240B29-F687-4f45-9708-019B960494DF}">
-                  <a14:hiddenLine xmlns:a14="http://schemas.microsoft.com/office/drawing/2010/main" xmlns="" w="9525">
+                  <a14:hiddenLine xmlns="" xmlns:a14="http://schemas.microsoft.com/office/drawing/2010/main" w="9525">
                     <a:solidFill>
                       <a:srgbClr val="000000"/>
                     </a:solidFill>
@@ -10281,7 +10281,7 @@
               </a:ln>
               <a:extLst>
                 <a:ext uri="{91240B29-F687-4f45-9708-019B960494DF}">
-                  <a14:hiddenLine xmlns:a14="http://schemas.microsoft.com/office/drawing/2010/main" xmlns="" w="9525">
+                  <a14:hiddenLine xmlns="" xmlns:a14="http://schemas.microsoft.com/office/drawing/2010/main" w="9525">
                     <a:solidFill>
                       <a:srgbClr val="000000"/>
                     </a:solidFill>
@@ -10391,7 +10391,7 @@
               </a:ln>
               <a:extLst>
                 <a:ext uri="{91240B29-F687-4f45-9708-019B960494DF}">
-                  <a14:hiddenLine xmlns:a14="http://schemas.microsoft.com/office/drawing/2010/main" xmlns="" w="9525">
+                  <a14:hiddenLine xmlns="" xmlns:a14="http://schemas.microsoft.com/office/drawing/2010/main" w="9525">
                     <a:solidFill>
                       <a:srgbClr val="000000"/>
                     </a:solidFill>
@@ -10475,7 +10475,7 @@
               </a:ln>
               <a:extLst>
                 <a:ext uri="{91240B29-F687-4f45-9708-019B960494DF}">
-                  <a14:hiddenLine xmlns:a14="http://schemas.microsoft.com/office/drawing/2010/main" xmlns="" w="9525">
+                  <a14:hiddenLine xmlns="" xmlns:a14="http://schemas.microsoft.com/office/drawing/2010/main" w="9525">
                     <a:solidFill>
                       <a:srgbClr val="000000"/>
                     </a:solidFill>
@@ -10537,7 +10537,7 @@
               </a:ln>
               <a:extLst>
                 <a:ext uri="{91240B29-F687-4f45-9708-019B960494DF}">
-                  <a14:hiddenLine xmlns:a14="http://schemas.microsoft.com/office/drawing/2010/main" xmlns="" w="9525">
+                  <a14:hiddenLine xmlns="" xmlns:a14="http://schemas.microsoft.com/office/drawing/2010/main" w="9525">
                     <a:solidFill>
                       <a:srgbClr val="000000"/>
                     </a:solidFill>
@@ -10599,7 +10599,7 @@
               </a:ln>
               <a:extLst>
                 <a:ext uri="{91240B29-F687-4f45-9708-019B960494DF}">
-                  <a14:hiddenLine xmlns:a14="http://schemas.microsoft.com/office/drawing/2010/main" xmlns="" w="9525">
+                  <a14:hiddenLine xmlns="" xmlns:a14="http://schemas.microsoft.com/office/drawing/2010/main" w="9525">
                     <a:solidFill>
                       <a:srgbClr val="000000"/>
                     </a:solidFill>
@@ -10689,7 +10689,7 @@
               </a:ln>
               <a:extLst>
                 <a:ext uri="{91240B29-F687-4f45-9708-019B960494DF}">
-                  <a14:hiddenLine xmlns:a14="http://schemas.microsoft.com/office/drawing/2010/main" xmlns="" w="9525">
+                  <a14:hiddenLine xmlns="" xmlns:a14="http://schemas.microsoft.com/office/drawing/2010/main" w="9525">
                     <a:solidFill>
                       <a:srgbClr val="000000"/>
                     </a:solidFill>
@@ -10723,7 +10723,7 @@
               </a:ln>
               <a:extLst>
                 <a:ext uri="{91240B29-F687-4f45-9708-019B960494DF}">
-                  <a14:hiddenLine xmlns:a14="http://schemas.microsoft.com/office/drawing/2010/main" xmlns="" w="9525">
+                  <a14:hiddenLine xmlns="" xmlns:a14="http://schemas.microsoft.com/office/drawing/2010/main" w="9525">
                     <a:solidFill>
                       <a:srgbClr val="000000"/>
                     </a:solidFill>
@@ -10788,7 +10788,7 @@
               </a:ln>
               <a:extLst>
                 <a:ext uri="{91240B29-F687-4f45-9708-019B960494DF}">
-                  <a14:hiddenLine xmlns:a14="http://schemas.microsoft.com/office/drawing/2010/main" xmlns="" w="9525">
+                  <a14:hiddenLine xmlns="" xmlns:a14="http://schemas.microsoft.com/office/drawing/2010/main" w="9525">
                     <a:solidFill>
                       <a:srgbClr val="000000"/>
                     </a:solidFill>
@@ -10878,7 +10878,7 @@
               </a:ln>
               <a:extLst>
                 <a:ext uri="{91240B29-F687-4f45-9708-019B960494DF}">
-                  <a14:hiddenLine xmlns:a14="http://schemas.microsoft.com/office/drawing/2010/main" xmlns="" w="9525">
+                  <a14:hiddenLine xmlns="" xmlns:a14="http://schemas.microsoft.com/office/drawing/2010/main" w="9525">
                     <a:solidFill>
                       <a:srgbClr val="000000"/>
                     </a:solidFill>
@@ -10940,7 +10940,7 @@
               </a:ln>
               <a:extLst>
                 <a:ext uri="{91240B29-F687-4f45-9708-019B960494DF}">
-                  <a14:hiddenLine xmlns:a14="http://schemas.microsoft.com/office/drawing/2010/main" xmlns="" w="9525">
+                  <a14:hiddenLine xmlns="" xmlns:a14="http://schemas.microsoft.com/office/drawing/2010/main" w="9525">
                     <a:solidFill>
                       <a:srgbClr val="000000"/>
                     </a:solidFill>
@@ -11030,7 +11030,7 @@
               </a:ln>
               <a:extLst>
                 <a:ext uri="{91240B29-F687-4f45-9708-019B960494DF}">
-                  <a14:hiddenLine xmlns:a14="http://schemas.microsoft.com/office/drawing/2010/main" xmlns="" w="9525">
+                  <a14:hiddenLine xmlns="" xmlns:a14="http://schemas.microsoft.com/office/drawing/2010/main" w="9525">
                     <a:solidFill>
                       <a:srgbClr val="000000"/>
                     </a:solidFill>
@@ -11095,7 +11095,7 @@
               </a:ln>
               <a:extLst>
                 <a:ext uri="{91240B29-F687-4f45-9708-019B960494DF}">
-                  <a14:hiddenLine xmlns:a14="http://schemas.microsoft.com/office/drawing/2010/main" xmlns="" w="9525">
+                  <a14:hiddenLine xmlns="" xmlns:a14="http://schemas.microsoft.com/office/drawing/2010/main" w="9525">
                     <a:solidFill>
                       <a:srgbClr val="000000"/>
                     </a:solidFill>
@@ -11157,7 +11157,7 @@
               </a:ln>
               <a:extLst>
                 <a:ext uri="{91240B29-F687-4f45-9708-019B960494DF}">
-                  <a14:hiddenLine xmlns:a14="http://schemas.microsoft.com/office/drawing/2010/main" xmlns="" w="9525">
+                  <a14:hiddenLine xmlns="" xmlns:a14="http://schemas.microsoft.com/office/drawing/2010/main" w="9525">
                     <a:solidFill>
                       <a:srgbClr val="000000"/>
                     </a:solidFill>
@@ -11247,7 +11247,7 @@
               </a:ln>
               <a:extLst>
                 <a:ext uri="{91240B29-F687-4f45-9708-019B960494DF}">
-                  <a14:hiddenLine xmlns:a14="http://schemas.microsoft.com/office/drawing/2010/main" xmlns="" w="9525">
+                  <a14:hiddenLine xmlns="" xmlns:a14="http://schemas.microsoft.com/office/drawing/2010/main" w="9525">
                     <a:solidFill>
                       <a:srgbClr val="000000"/>
                     </a:solidFill>
@@ -11337,7 +11337,7 @@
               </a:ln>
               <a:extLst>
                 <a:ext uri="{91240B29-F687-4f45-9708-019B960494DF}">
-                  <a14:hiddenLine xmlns:a14="http://schemas.microsoft.com/office/drawing/2010/main" xmlns="" w="9525">
+                  <a14:hiddenLine xmlns="" xmlns:a14="http://schemas.microsoft.com/office/drawing/2010/main" w="9525">
                     <a:solidFill>
                       <a:srgbClr val="000000"/>
                     </a:solidFill>
@@ -11402,7 +11402,7 @@
               </a:ln>
               <a:extLst>
                 <a:ext uri="{91240B29-F687-4f45-9708-019B960494DF}">
-                  <a14:hiddenLine xmlns:a14="http://schemas.microsoft.com/office/drawing/2010/main" xmlns="" w="9525">
+                  <a14:hiddenLine xmlns="" xmlns:a14="http://schemas.microsoft.com/office/drawing/2010/main" w="9525">
                     <a:solidFill>
                       <a:srgbClr val="000000"/>
                     </a:solidFill>
@@ -11522,7 +11522,7 @@
               </a:ln>
               <a:extLst>
                 <a:ext uri="{91240B29-F687-4f45-9708-019B960494DF}">
-                  <a14:hiddenLine xmlns:a14="http://schemas.microsoft.com/office/drawing/2010/main" xmlns="" w="9525">
+                  <a14:hiddenLine xmlns="" xmlns:a14="http://schemas.microsoft.com/office/drawing/2010/main" w="9525">
                     <a:solidFill>
                       <a:srgbClr val="000000"/>
                     </a:solidFill>
@@ -11620,7 +11620,7 @@
               </a:ln>
               <a:extLst>
                 <a:ext uri="{91240B29-F687-4f45-9708-019B960494DF}">
-                  <a14:hiddenLine xmlns:a14="http://schemas.microsoft.com/office/drawing/2010/main" xmlns="" w="9525">
+                  <a14:hiddenLine xmlns="" xmlns:a14="http://schemas.microsoft.com/office/drawing/2010/main" w="9525">
                     <a:solidFill>
                       <a:srgbClr val="000000"/>
                     </a:solidFill>
@@ -11735,7 +11735,7 @@
               </a:ln>
               <a:extLst>
                 <a:ext uri="{91240B29-F687-4f45-9708-019B960494DF}">
-                  <a14:hiddenLine xmlns:a14="http://schemas.microsoft.com/office/drawing/2010/main" xmlns="" w="9525">
+                  <a14:hiddenLine xmlns="" xmlns:a14="http://schemas.microsoft.com/office/drawing/2010/main" w="9525">
                     <a:solidFill>
                       <a:srgbClr val="000000"/>
                     </a:solidFill>
@@ -11825,7 +11825,7 @@
               </a:ln>
               <a:extLst>
                 <a:ext uri="{91240B29-F687-4f45-9708-019B960494DF}">
-                  <a14:hiddenLine xmlns:a14="http://schemas.microsoft.com/office/drawing/2010/main" xmlns="" w="9525">
+                  <a14:hiddenLine xmlns="" xmlns:a14="http://schemas.microsoft.com/office/drawing/2010/main" w="9525">
                     <a:solidFill>
                       <a:srgbClr val="000000"/>
                     </a:solidFill>
@@ -11890,7 +11890,7 @@
               </a:ln>
               <a:extLst>
                 <a:ext uri="{91240B29-F687-4f45-9708-019B960494DF}">
-                  <a14:hiddenLine xmlns:a14="http://schemas.microsoft.com/office/drawing/2010/main" xmlns="" w="9525">
+                  <a14:hiddenLine xmlns="" xmlns:a14="http://schemas.microsoft.com/office/drawing/2010/main" w="9525">
                     <a:solidFill>
                       <a:srgbClr val="000000"/>
                     </a:solidFill>
@@ -11980,7 +11980,7 @@
               </a:ln>
               <a:extLst>
                 <a:ext uri="{91240B29-F687-4f45-9708-019B960494DF}">
-                  <a14:hiddenLine xmlns:a14="http://schemas.microsoft.com/office/drawing/2010/main" xmlns="" w="9525">
+                  <a14:hiddenLine xmlns="" xmlns:a14="http://schemas.microsoft.com/office/drawing/2010/main" w="9525">
                     <a:solidFill>
                       <a:srgbClr val="000000"/>
                     </a:solidFill>
@@ -12048,7 +12048,7 @@
               </a:ln>
               <a:extLst>
                 <a:ext uri="{91240B29-F687-4f45-9708-019B960494DF}">
-                  <a14:hiddenLine xmlns:a14="http://schemas.microsoft.com/office/drawing/2010/main" xmlns="" w="9525">
+                  <a14:hiddenLine xmlns="" xmlns:a14="http://schemas.microsoft.com/office/drawing/2010/main" w="9525">
                     <a:solidFill>
                       <a:srgbClr val="000000"/>
                     </a:solidFill>
@@ -12138,7 +12138,7 @@
               </a:ln>
               <a:extLst>
                 <a:ext uri="{91240B29-F687-4f45-9708-019B960494DF}">
-                  <a14:hiddenLine xmlns:a14="http://schemas.microsoft.com/office/drawing/2010/main" xmlns="" w="9525">
+                  <a14:hiddenLine xmlns="" xmlns:a14="http://schemas.microsoft.com/office/drawing/2010/main" w="9525">
                     <a:solidFill>
                       <a:srgbClr val="000000"/>
                     </a:solidFill>
@@ -12206,7 +12206,7 @@
               </a:ln>
               <a:extLst>
                 <a:ext uri="{91240B29-F687-4f45-9708-019B960494DF}">
-                  <a14:hiddenLine xmlns:a14="http://schemas.microsoft.com/office/drawing/2010/main" xmlns="" w="9525">
+                  <a14:hiddenLine xmlns="" xmlns:a14="http://schemas.microsoft.com/office/drawing/2010/main" w="9525">
                     <a:solidFill>
                       <a:srgbClr val="000000"/>
                     </a:solidFill>
@@ -12296,7 +12296,7 @@
               </a:ln>
               <a:extLst>
                 <a:ext uri="{91240B29-F687-4f45-9708-019B960494DF}">
-                  <a14:hiddenLine xmlns:a14="http://schemas.microsoft.com/office/drawing/2010/main" xmlns="" w="9525">
+                  <a14:hiddenLine xmlns="" xmlns:a14="http://schemas.microsoft.com/office/drawing/2010/main" w="9525">
                     <a:solidFill>
                       <a:srgbClr val="000000"/>
                     </a:solidFill>
@@ -12330,7 +12330,7 @@
               </a:ln>
               <a:extLst>
                 <a:ext uri="{91240B29-F687-4f45-9708-019B960494DF}">
-                  <a14:hiddenLine xmlns:a14="http://schemas.microsoft.com/office/drawing/2010/main" xmlns="" w="9525">
+                  <a14:hiddenLine xmlns="" xmlns:a14="http://schemas.microsoft.com/office/drawing/2010/main" w="9525">
                     <a:solidFill>
                       <a:srgbClr val="000000"/>
                     </a:solidFill>
@@ -12470,7 +12470,7 @@
           <a:p>
             <a:fld id="{5576B12A-8ED0-474F-B569-C520DE5BEE77}" type="datetimeFigureOut">
               <a:rPr lang="en-US" smtClean="0"/>
-              <a:t>11/27/2018</a:t>
+              <a:t>12/10/2018</a:t>
             </a:fld>
             <a:endParaRPr lang="en-US"/>
           </a:p>
@@ -12923,7 +12923,7 @@
                 <a16:creationId xmlns:a16="http://schemas.microsoft.com/office/drawing/2014/main" id="{82EEA7F3-64E0-47B1-9B06-0677EA6FD79E}"/>
               </a:ext>
               <a:ext uri="{C183D7F6-B498-43B3-948B-1728B52AA6E4}">
-                <adec:decorative xmlns:adec="http://schemas.microsoft.com/office/drawing/2017/decorative" val="1"/>
+                <adec:decorative xmlns:adec="http://schemas.microsoft.com/office/drawing/2017/decorative" xmlns="" val="1"/>
               </a:ext>
             </a:extLst>
           </p:cNvPr>
@@ -12954,7 +12954,7 @@
                   <a16:creationId xmlns:a16="http://schemas.microsoft.com/office/drawing/2014/main" id="{F0787433-E8FF-45C5-A1C3-70BC1491BA94}"/>
                 </a:ext>
                 <a:ext uri="{C183D7F6-B498-43B3-948B-1728B52AA6E4}">
-                  <adec:decorative xmlns:adec="http://schemas.microsoft.com/office/drawing/2017/decorative" val="1"/>
+                  <adec:decorative xmlns:adec="http://schemas.microsoft.com/office/drawing/2017/decorative" xmlns="" val="1"/>
                 </a:ext>
               </a:extLst>
             </p:cNvPr>
@@ -13012,7 +13012,7 @@
                   <a16:creationId xmlns:a16="http://schemas.microsoft.com/office/drawing/2014/main" id="{A649E977-62EB-4D2F-9AF9-947B5E73CA39}"/>
                 </a:ext>
                 <a:ext uri="{C183D7F6-B498-43B3-948B-1728B52AA6E4}">
-                  <adec:decorative xmlns:adec="http://schemas.microsoft.com/office/drawing/2017/decorative" val="1"/>
+                  <adec:decorative xmlns:adec="http://schemas.microsoft.com/office/drawing/2017/decorative" xmlns="" val="1"/>
                 </a:ext>
               </a:extLst>
             </p:cNvPr>
@@ -13059,7 +13059,7 @@
             <a:noFill/>
             <a:extLst>
               <a:ext uri="{909E8E84-426E-40dd-AFC4-6F175D3DCCD1}">
-                <a14:hiddenFill xmlns="" xmlns:a16="http://schemas.microsoft.com/office/drawing/2014/main" xmlns:p14="http://schemas.microsoft.com/office/powerpoint/2010/main" xmlns:a14="http://schemas.microsoft.com/office/drawing/2010/main">
+                <a14:hiddenFill xmlns:a14="http://schemas.microsoft.com/office/drawing/2010/main" xmlns:p14="http://schemas.microsoft.com/office/powerpoint/2010/main" xmlns:a16="http://schemas.microsoft.com/office/drawing/2014/main" xmlns="">
                   <a:solidFill>
                     <a:srgbClr val="FFFFFF"/>
                   </a:solidFill>
@@ -13102,6 +13102,10 @@
               <a:rPr lang="en-US" sz="7200" dirty="0"/>
               <a:t>Multiway join</a:t>
             </a:r>
+            <a:r>
+              <a:rPr lang="en-US" sz="6600" dirty="0"/>
+              <a:t/>
+            </a:r>
             <a:br>
               <a:rPr lang="en-US" sz="6600" dirty="0"/>
             </a:br>
@@ -13133,7 +13137,7 @@
         </p:spPr>
         <p:txBody>
           <a:bodyPr anchor="t">
-            <a:normAutofit/>
+            <a:normAutofit lnSpcReduction="10000"/>
           </a:bodyPr>
           <a:lstStyle/>
           <a:p>
@@ -15455,7 +15459,7 @@
             <p:ph idx="1"/>
             <p:extLst>
               <p:ext uri="{D42A27DB-BD31-4B8C-83A1-F6EECF244321}">
-                <p14:modId xmlns:p14="http://schemas.microsoft.com/office/powerpoint/2010/main" val="857945945"/>
+                <p14:modId xmlns:p14="http://schemas.microsoft.com/office/powerpoint/2010/main" val="719292823"/>
               </p:ext>
             </p:extLst>
           </p:nvPr>
@@ -15639,9 +15643,10 @@
                     <a:lstStyle/>
                     <a:p>
                       <a:r>
-                        <a:rPr lang="en-US" dirty="0"/>
-                        <a:t>0.01</a:t>
+                        <a:rPr lang="en-US" dirty="0" smtClean="0"/>
+                        <a:t>0.02</a:t>
                       </a:r>
+                      <a:endParaRPr lang="en-US" dirty="0"/>
                     </a:p>
                   </a:txBody>
                   <a:tcPr/>
@@ -15684,10 +15689,17 @@
                     <a:bodyPr/>
                     <a:lstStyle/>
                     <a:p>
-                      <a:r>
-                        <a:rPr lang="en-US" dirty="0"/>
-                        <a:t>0.284</a:t>
-                      </a:r>
+                      <a:endParaRPr lang="en-US" dirty="0"/>
+                    </a:p>
+                  </a:txBody>
+                  <a:tcPr/>
+                </a:tc>
+                <a:tc>
+                  <a:txBody>
+                    <a:bodyPr/>
+                    <a:lstStyle/>
+                    <a:p>
+                      <a:endParaRPr lang="en-US" dirty="0"/>
                     </a:p>
                   </a:txBody>
                   <a:tcPr/>
@@ -15698,22 +15710,10 @@
                     <a:lstStyle/>
                     <a:p>
                       <a:r>
-                        <a:rPr lang="en-US" dirty="0"/>
-                        <a:t>0.0549</a:t>
+                        <a:rPr lang="en-US" dirty="0" smtClean="0"/>
+                        <a:t>0.5097</a:t>
                       </a:r>
-                    </a:p>
-                  </a:txBody>
-                  <a:tcPr/>
-                </a:tc>
-                <a:tc>
-                  <a:txBody>
-                    <a:bodyPr/>
-                    <a:lstStyle/>
-                    <a:p>
-                      <a:r>
-                        <a:rPr lang="en-US" dirty="0"/>
-                        <a:t>0.128</a:t>
-                      </a:r>
+                      <a:endParaRPr lang="en-US" dirty="0"/>
                     </a:p>
                   </a:txBody>
                   <a:tcPr/>
@@ -15756,10 +15756,17 @@
                     <a:bodyPr/>
                     <a:lstStyle/>
                     <a:p>
-                      <a:r>
-                        <a:rPr lang="en-US" dirty="0"/>
-                        <a:t>1.386</a:t>
-                      </a:r>
+                      <a:endParaRPr lang="en-US" dirty="0"/>
+                    </a:p>
+                  </a:txBody>
+                  <a:tcPr/>
+                </a:tc>
+                <a:tc>
+                  <a:txBody>
+                    <a:bodyPr/>
+                    <a:lstStyle/>
+                    <a:p>
+                      <a:endParaRPr lang="en-US" dirty="0"/>
                     </a:p>
                   </a:txBody>
                   <a:tcPr/>
@@ -15770,22 +15777,10 @@
                     <a:lstStyle/>
                     <a:p>
                       <a:r>
-                        <a:rPr lang="en-US" dirty="0"/>
-                        <a:t>0.727</a:t>
+                        <a:rPr lang="en-US" dirty="0" smtClean="0"/>
+                        <a:t>7.1866</a:t>
                       </a:r>
-                    </a:p>
-                  </a:txBody>
-                  <a:tcPr/>
-                </a:tc>
-                <a:tc>
-                  <a:txBody>
-                    <a:bodyPr/>
-                    <a:lstStyle/>
-                    <a:p>
-                      <a:r>
-                        <a:rPr lang="en-US" dirty="0"/>
-                        <a:t>1.822</a:t>
-                      </a:r>
+                      <a:endParaRPr lang="en-US" dirty="0"/>
                     </a:p>
                   </a:txBody>
                   <a:tcPr/>
@@ -15845,10 +15840,7 @@
                     <a:bodyPr/>
                     <a:lstStyle/>
                     <a:p>
-                      <a:r>
-                        <a:rPr lang="en-US" dirty="0"/>
-                        <a:t>7.18</a:t>
-                      </a:r>
+                      <a:endParaRPr lang="en-US" dirty="0"/>
                     </a:p>
                   </a:txBody>
                   <a:tcPr/>
@@ -15858,10 +15850,7 @@
                     <a:bodyPr/>
                     <a:lstStyle/>
                     <a:p>
-                      <a:r>
-                        <a:rPr lang="en-US" dirty="0"/>
-                        <a:t>18.51</a:t>
-                      </a:r>
+                      <a:endParaRPr lang="en-US" dirty="0"/>
                     </a:p>
                   </a:txBody>
                   <a:tcPr/>
@@ -15871,10 +15860,7 @@
                     <a:bodyPr/>
                     <a:lstStyle/>
                     <a:p>
-                      <a:r>
-                        <a:rPr lang="en-US" dirty="0"/>
-                        <a:t>21.5</a:t>
-                      </a:r>
+                      <a:endParaRPr lang="en-US" dirty="0"/>
                     </a:p>
                   </a:txBody>
                   <a:tcPr/>
@@ -15917,10 +15903,7 @@
                     <a:bodyPr/>
                     <a:lstStyle/>
                     <a:p>
-                      <a:r>
-                        <a:rPr lang="en-US" dirty="0"/>
-                        <a:t>-</a:t>
-                      </a:r>
+                      <a:endParaRPr lang="en-US" dirty="0"/>
                     </a:p>
                   </a:txBody>
                   <a:tcPr/>
@@ -15930,10 +15913,7 @@
                     <a:bodyPr/>
                     <a:lstStyle/>
                     <a:p>
-                      <a:r>
-                        <a:rPr lang="en-US" dirty="0"/>
-                        <a:t>-</a:t>
-                      </a:r>
+                      <a:endParaRPr lang="en-US" dirty="0"/>
                     </a:p>
                   </a:txBody>
                   <a:tcPr/>
@@ -15986,10 +15966,7 @@
                     <a:bodyPr/>
                     <a:lstStyle/>
                     <a:p>
-                      <a:r>
-                        <a:rPr lang="en-US" dirty="0"/>
-                        <a:t>7.088</a:t>
-                      </a:r>
+                      <a:endParaRPr lang="en-US" dirty="0"/>
                     </a:p>
                   </a:txBody>
                   <a:tcPr/>
@@ -15999,10 +15976,7 @@
                     <a:bodyPr/>
                     <a:lstStyle/>
                     <a:p>
-                      <a:r>
-                        <a:rPr lang="en-US" dirty="0"/>
-                        <a:t>9.505</a:t>
-                      </a:r>
+                      <a:endParaRPr lang="en-US" dirty="0"/>
                     </a:p>
                   </a:txBody>
                   <a:tcPr/>
@@ -16012,10 +15986,7 @@
                     <a:bodyPr/>
                     <a:lstStyle/>
                     <a:p>
-                      <a:r>
-                        <a:rPr lang="en-US" dirty="0"/>
-                        <a:t>9.892</a:t>
-                      </a:r>
+                      <a:endParaRPr lang="en-US" dirty="0"/>
                     </a:p>
                   </a:txBody>
                   <a:tcPr/>
@@ -16058,10 +16029,7 @@
                     <a:bodyPr/>
                     <a:lstStyle/>
                     <a:p>
-                      <a:r>
-                        <a:rPr lang="en-US" dirty="0"/>
-                        <a:t>81.99</a:t>
-                      </a:r>
+                      <a:endParaRPr lang="en-US" dirty="0"/>
                     </a:p>
                   </a:txBody>
                   <a:tcPr/>
@@ -16071,10 +16039,7 @@
                     <a:bodyPr/>
                     <a:lstStyle/>
                     <a:p>
-                      <a:r>
-                        <a:rPr lang="en-US" dirty="0"/>
-                        <a:t>84.726</a:t>
-                      </a:r>
+                      <a:endParaRPr lang="en-US" dirty="0"/>
                     </a:p>
                   </a:txBody>
                   <a:tcPr/>
@@ -16084,10 +16049,7 @@
                     <a:bodyPr/>
                     <a:lstStyle/>
                     <a:p>
-                      <a:r>
-                        <a:rPr lang="en-US" dirty="0"/>
-                        <a:t>166.4</a:t>
-                      </a:r>
+                      <a:endParaRPr lang="en-US" dirty="0"/>
                     </a:p>
                   </a:txBody>
                   <a:tcPr/>
@@ -16189,7 +16151,7 @@
             <p:ph idx="1"/>
             <p:extLst>
               <p:ext uri="{D42A27DB-BD31-4B8C-83A1-F6EECF244321}">
-                <p14:modId xmlns:p14="http://schemas.microsoft.com/office/powerpoint/2010/main" val="901642221"/>
+                <p14:modId xmlns:p14="http://schemas.microsoft.com/office/powerpoint/2010/main" val="4282655184"/>
               </p:ext>
             </p:extLst>
           </p:nvPr>
@@ -16363,10 +16325,7 @@
                     <a:bodyPr/>
                     <a:lstStyle/>
                     <a:p>
-                      <a:r>
-                        <a:rPr lang="en-US" dirty="0"/>
-                        <a:t>16.134</a:t>
-                      </a:r>
+                      <a:endParaRPr lang="en-US" dirty="0"/>
                     </a:p>
                   </a:txBody>
                   <a:tcPr/>
@@ -16376,10 +16335,7 @@
                     <a:bodyPr/>
                     <a:lstStyle/>
                     <a:p>
-                      <a:r>
-                        <a:rPr lang="en-US" dirty="0"/>
-                        <a:t>15.165</a:t>
-                      </a:r>
+                      <a:endParaRPr lang="en-US" dirty="0"/>
                     </a:p>
                   </a:txBody>
                   <a:tcPr/>
@@ -16389,10 +16345,7 @@
                     <a:bodyPr/>
                     <a:lstStyle/>
                     <a:p>
-                      <a:r>
-                        <a:rPr lang="en-US" dirty="0"/>
-                        <a:t>40.99</a:t>
-                      </a:r>
+                      <a:endParaRPr lang="en-US" dirty="0"/>
                     </a:p>
                   </a:txBody>
                   <a:tcPr/>
@@ -16435,10 +16388,7 @@
                     <a:bodyPr/>
                     <a:lstStyle/>
                     <a:p>
-                      <a:r>
-                        <a:rPr lang="en-US" dirty="0"/>
-                        <a:t>1303.65</a:t>
-                      </a:r>
+                      <a:endParaRPr lang="en-US" dirty="0"/>
                     </a:p>
                   </a:txBody>
                   <a:tcPr/>
@@ -16448,10 +16398,7 @@
                     <a:bodyPr/>
                     <a:lstStyle/>
                     <a:p>
-                      <a:r>
-                        <a:rPr lang="en-US" dirty="0"/>
-                        <a:t>1135.44</a:t>
-                      </a:r>
+                      <a:endParaRPr lang="en-US" dirty="0"/>
                     </a:p>
                   </a:txBody>
                   <a:tcPr/>
@@ -16461,10 +16408,7 @@
                     <a:bodyPr/>
                     <a:lstStyle/>
                     <a:p>
-                      <a:r>
-                        <a:rPr lang="en-US" dirty="0"/>
-                        <a:t>2245.31</a:t>
-                      </a:r>
+                      <a:endParaRPr lang="en-US" dirty="0"/>
                     </a:p>
                   </a:txBody>
                   <a:tcPr/>
@@ -16507,10 +16451,7 @@
                     <a:bodyPr/>
                     <a:lstStyle/>
                     <a:p>
-                      <a:r>
-                        <a:rPr lang="en-US" dirty="0"/>
-                        <a:t>0.0603</a:t>
-                      </a:r>
+                      <a:endParaRPr lang="en-US" dirty="0"/>
                     </a:p>
                   </a:txBody>
                   <a:tcPr/>
@@ -16520,10 +16461,7 @@
                     <a:bodyPr/>
                     <a:lstStyle/>
                     <a:p>
-                      <a:r>
-                        <a:rPr lang="en-US" dirty="0"/>
-                        <a:t>0.0642</a:t>
-                      </a:r>
+                      <a:endParaRPr lang="en-US" dirty="0"/>
                     </a:p>
                   </a:txBody>
                   <a:tcPr/>
@@ -16533,10 +16471,7 @@
                     <a:bodyPr/>
                     <a:lstStyle/>
                     <a:p>
-                      <a:r>
-                        <a:rPr lang="en-US" dirty="0"/>
-                        <a:t>0.0579</a:t>
-                      </a:r>
+                      <a:endParaRPr lang="en-US" dirty="0"/>
                     </a:p>
                   </a:txBody>
                   <a:tcPr/>
@@ -16579,10 +16514,7 @@
                     <a:bodyPr/>
                     <a:lstStyle/>
                     <a:p>
-                      <a:r>
-                        <a:rPr lang="en-US" dirty="0"/>
-                        <a:t>0.6867</a:t>
-                      </a:r>
+                      <a:endParaRPr lang="en-US" dirty="0"/>
                     </a:p>
                   </a:txBody>
                   <a:tcPr/>
@@ -16592,10 +16524,7 @@
                     <a:bodyPr/>
                     <a:lstStyle/>
                     <a:p>
-                      <a:r>
-                        <a:rPr lang="en-US" dirty="0"/>
-                        <a:t>1.0605</a:t>
-                      </a:r>
+                      <a:endParaRPr lang="en-US" dirty="0"/>
                     </a:p>
                   </a:txBody>
                   <a:tcPr/>
@@ -16605,10 +16534,7 @@
                     <a:bodyPr/>
                     <a:lstStyle/>
                     <a:p>
-                      <a:r>
-                        <a:rPr lang="en-US" dirty="0"/>
-                        <a:t>1.0425</a:t>
-                      </a:r>
+                      <a:endParaRPr lang="en-US" dirty="0"/>
                     </a:p>
                   </a:txBody>
                   <a:tcPr/>
@@ -16651,10 +16577,7 @@
                     <a:bodyPr/>
                     <a:lstStyle/>
                     <a:p>
-                      <a:r>
-                        <a:rPr lang="en-US" dirty="0"/>
-                        <a:t>4.18</a:t>
-                      </a:r>
+                      <a:endParaRPr lang="en-US" dirty="0"/>
                     </a:p>
                   </a:txBody>
                   <a:tcPr/>
@@ -16717,10 +16640,7 @@
                     <a:bodyPr/>
                     <a:lstStyle/>
                     <a:p>
-                      <a:r>
-                        <a:rPr lang="en-US" dirty="0"/>
-                        <a:t>25.384</a:t>
-                      </a:r>
+                      <a:endParaRPr lang="en-US" dirty="0"/>
                     </a:p>
                   </a:txBody>
                   <a:tcPr/>
@@ -16783,10 +16703,7 @@
                     <a:bodyPr/>
                     <a:lstStyle/>
                     <a:p>
-                      <a:r>
-                        <a:rPr lang="en-US" dirty="0"/>
-                        <a:t>322.947</a:t>
-                      </a:r>
+                      <a:endParaRPr lang="en-US" dirty="0"/>
                     </a:p>
                   </a:txBody>
                   <a:tcPr/>
@@ -16908,7 +16825,7 @@
             <p:ph idx="1"/>
             <p:extLst>
               <p:ext uri="{D42A27DB-BD31-4B8C-83A1-F6EECF244321}">
-                <p14:modId xmlns:p14="http://schemas.microsoft.com/office/powerpoint/2010/main" val="2794077504"/>
+                <p14:modId xmlns:p14="http://schemas.microsoft.com/office/powerpoint/2010/main" val="1857402122"/>
               </p:ext>
             </p:extLst>
           </p:nvPr>
@@ -17025,10 +16942,7 @@
                     <a:bodyPr/>
                     <a:lstStyle/>
                     <a:p>
-                      <a:r>
-                        <a:rPr lang="en-US" dirty="0"/>
-                        <a:t>6.71s for 4,000,072 tuples</a:t>
-                      </a:r>
+                      <a:endParaRPr lang="en-US" dirty="0"/>
                     </a:p>
                   </a:txBody>
                   <a:tcPr/>
@@ -17071,10 +16985,7 @@
                     <a:bodyPr/>
                     <a:lstStyle/>
                     <a:p>
-                      <a:r>
-                        <a:rPr lang="en-US" dirty="0"/>
-                        <a:t>8.35s for 10000 tuples</a:t>
-                      </a:r>
+                      <a:endParaRPr lang="en-US" dirty="0"/>
                     </a:p>
                   </a:txBody>
                   <a:tcPr/>
@@ -17086,13 +16997,8 @@
                     <a:p>
                       <a:r>
                         <a:rPr lang="en-US" dirty="0"/>
-                        <a:t>18.938s for </a:t>
+                        <a:t>18.938s for 10000 tuples</a:t>
                       </a:r>
-                      <a:r>
-                        <a:rPr lang="en-US"/>
-                        <a:t>10000 tuples</a:t>
-                      </a:r>
-                      <a:endParaRPr lang="en-US" dirty="0"/>
                     </a:p>
                   </a:txBody>
                   <a:tcPr/>
@@ -17961,6 +17867,10 @@
             <a:br>
               <a:rPr lang="en-US" dirty="0"/>
             </a:br>
+            <a:r>
+              <a:rPr lang="en-US" dirty="0"/>
+              <a:t/>
+            </a:r>
             <a:br>
               <a:rPr lang="en-US" dirty="0"/>
             </a:br>

--- a/MultiWayJoin.pptx
+++ b/MultiWayJoin.pptx
@@ -215,7 +215,7 @@
           <a:p>
             <a:fld id="{7C3D36E1-8D7E-4F30-9133-B986395D6A9D}" type="datetimeFigureOut">
               <a:rPr lang="en-US" smtClean="0"/>
-              <a:t>12/10/2018</a:t>
+              <a:t>12/11/2018</a:t>
             </a:fld>
             <a:endParaRPr lang="en-US"/>
           </a:p>
@@ -616,7 +616,7 @@
           <a:noFill/>
           <a:extLst>
             <a:ext uri="{909E8E84-426E-40dd-AFC4-6F175D3DCCD1}">
-              <a14:hiddenFill xmlns="" xmlns:a14="http://schemas.microsoft.com/office/drawing/2010/main">
+              <a14:hiddenFill xmlns:a14="http://schemas.microsoft.com/office/drawing/2010/main" xmlns="">
                 <a:solidFill>
                   <a:srgbClr val="FFFFFF"/>
                 </a:solidFill>
@@ -676,7 +676,7 @@
             </a:ln>
             <a:extLst>
               <a:ext uri="{91240B29-F687-4f45-9708-019B960494DF}">
-                <a14:hiddenLine xmlns="" xmlns:a14="http://schemas.microsoft.com/office/drawing/2010/main" w="9525">
+                <a14:hiddenLine xmlns:a14="http://schemas.microsoft.com/office/drawing/2010/main" xmlns="" w="9525">
                   <a:solidFill>
                     <a:srgbClr val="000000"/>
                   </a:solidFill>
@@ -766,7 +766,7 @@
             </a:ln>
             <a:extLst>
               <a:ext uri="{91240B29-F687-4f45-9708-019B960494DF}">
-                <a14:hiddenLine xmlns="" xmlns:a14="http://schemas.microsoft.com/office/drawing/2010/main" w="9525">
+                <a14:hiddenLine xmlns:a14="http://schemas.microsoft.com/office/drawing/2010/main" xmlns="" w="9525">
                   <a:solidFill>
                     <a:srgbClr val="000000"/>
                   </a:solidFill>
@@ -856,7 +856,7 @@
             </a:ln>
             <a:extLst>
               <a:ext uri="{91240B29-F687-4f45-9708-019B960494DF}">
-                <a14:hiddenLine xmlns="" xmlns:a14="http://schemas.microsoft.com/office/drawing/2010/main" w="9525">
+                <a14:hiddenLine xmlns:a14="http://schemas.microsoft.com/office/drawing/2010/main" xmlns="" w="9525">
                   <a:solidFill>
                     <a:srgbClr val="000000"/>
                   </a:solidFill>
@@ -890,7 +890,7 @@
             </a:ln>
             <a:extLst>
               <a:ext uri="{91240B29-F687-4f45-9708-019B960494DF}">
-                <a14:hiddenLine xmlns="" xmlns:a14="http://schemas.microsoft.com/office/drawing/2010/main" w="9525">
+                <a14:hiddenLine xmlns:a14="http://schemas.microsoft.com/office/drawing/2010/main" xmlns="" w="9525">
                   <a:solidFill>
                     <a:srgbClr val="000000"/>
                   </a:solidFill>
@@ -980,7 +980,7 @@
             </a:ln>
             <a:extLst>
               <a:ext uri="{91240B29-F687-4f45-9708-019B960494DF}">
-                <a14:hiddenLine xmlns="" xmlns:a14="http://schemas.microsoft.com/office/drawing/2010/main" w="9525">
+                <a14:hiddenLine xmlns:a14="http://schemas.microsoft.com/office/drawing/2010/main" xmlns="" w="9525">
                   <a:solidFill>
                     <a:srgbClr val="000000"/>
                   </a:solidFill>
@@ -1042,7 +1042,7 @@
             </a:ln>
             <a:extLst>
               <a:ext uri="{91240B29-F687-4f45-9708-019B960494DF}">
-                <a14:hiddenLine xmlns="" xmlns:a14="http://schemas.microsoft.com/office/drawing/2010/main" w="9525">
+                <a14:hiddenLine xmlns:a14="http://schemas.microsoft.com/office/drawing/2010/main" xmlns="" w="9525">
                   <a:solidFill>
                     <a:srgbClr val="000000"/>
                   </a:solidFill>
@@ -1104,7 +1104,7 @@
             </a:ln>
             <a:extLst>
               <a:ext uri="{91240B29-F687-4f45-9708-019B960494DF}">
-                <a14:hiddenLine xmlns="" xmlns:a14="http://schemas.microsoft.com/office/drawing/2010/main" w="9525">
+                <a14:hiddenLine xmlns:a14="http://schemas.microsoft.com/office/drawing/2010/main" xmlns="" w="9525">
                   <a:solidFill>
                     <a:srgbClr val="000000"/>
                   </a:solidFill>
@@ -1194,7 +1194,7 @@
             </a:ln>
             <a:extLst>
               <a:ext uri="{91240B29-F687-4f45-9708-019B960494DF}">
-                <a14:hiddenLine xmlns="" xmlns:a14="http://schemas.microsoft.com/office/drawing/2010/main" w="9525">
+                <a14:hiddenLine xmlns:a14="http://schemas.microsoft.com/office/drawing/2010/main" xmlns="" w="9525">
                   <a:solidFill>
                     <a:srgbClr val="000000"/>
                   </a:solidFill>
@@ -1256,7 +1256,7 @@
             </a:ln>
             <a:extLst>
               <a:ext uri="{91240B29-F687-4f45-9708-019B960494DF}">
-                <a14:hiddenLine xmlns="" xmlns:a14="http://schemas.microsoft.com/office/drawing/2010/main" w="9525">
+                <a14:hiddenLine xmlns:a14="http://schemas.microsoft.com/office/drawing/2010/main" xmlns="" w="9525">
                   <a:solidFill>
                     <a:srgbClr val="000000"/>
                   </a:solidFill>
@@ -1318,7 +1318,7 @@
             </a:ln>
             <a:extLst>
               <a:ext uri="{91240B29-F687-4f45-9708-019B960494DF}">
-                <a14:hiddenLine xmlns="" xmlns:a14="http://schemas.microsoft.com/office/drawing/2010/main" w="9525">
+                <a14:hiddenLine xmlns:a14="http://schemas.microsoft.com/office/drawing/2010/main" xmlns="" w="9525">
                   <a:solidFill>
                     <a:srgbClr val="000000"/>
                   </a:solidFill>
@@ -1408,7 +1408,7 @@
             </a:ln>
             <a:extLst>
               <a:ext uri="{91240B29-F687-4f45-9708-019B960494DF}">
-                <a14:hiddenLine xmlns="" xmlns:a14="http://schemas.microsoft.com/office/drawing/2010/main" w="9525">
+                <a14:hiddenLine xmlns:a14="http://schemas.microsoft.com/office/drawing/2010/main" xmlns="" w="9525">
                   <a:solidFill>
                     <a:srgbClr val="000000"/>
                   </a:solidFill>
@@ -1498,7 +1498,7 @@
             </a:ln>
             <a:extLst>
               <a:ext uri="{91240B29-F687-4f45-9708-019B960494DF}">
-                <a14:hiddenLine xmlns="" xmlns:a14="http://schemas.microsoft.com/office/drawing/2010/main" w="9525">
+                <a14:hiddenLine xmlns:a14="http://schemas.microsoft.com/office/drawing/2010/main" xmlns="" w="9525">
                   <a:solidFill>
                     <a:srgbClr val="000000"/>
                   </a:solidFill>
@@ -1560,7 +1560,7 @@
             </a:ln>
             <a:extLst>
               <a:ext uri="{91240B29-F687-4f45-9708-019B960494DF}">
-                <a14:hiddenLine xmlns="" xmlns:a14="http://schemas.microsoft.com/office/drawing/2010/main" w="9525">
+                <a14:hiddenLine xmlns:a14="http://schemas.microsoft.com/office/drawing/2010/main" xmlns="" w="9525">
                   <a:solidFill>
                     <a:srgbClr val="000000"/>
                   </a:solidFill>
@@ -1670,7 +1670,7 @@
             </a:ln>
             <a:extLst>
               <a:ext uri="{91240B29-F687-4f45-9708-019B960494DF}">
-                <a14:hiddenLine xmlns="" xmlns:a14="http://schemas.microsoft.com/office/drawing/2010/main" w="9525">
+                <a14:hiddenLine xmlns:a14="http://schemas.microsoft.com/office/drawing/2010/main" xmlns="" w="9525">
                   <a:solidFill>
                     <a:srgbClr val="000000"/>
                   </a:solidFill>
@@ -1732,7 +1732,7 @@
             </a:ln>
             <a:extLst>
               <a:ext uri="{91240B29-F687-4f45-9708-019B960494DF}">
-                <a14:hiddenLine xmlns="" xmlns:a14="http://schemas.microsoft.com/office/drawing/2010/main" w="9525">
+                <a14:hiddenLine xmlns:a14="http://schemas.microsoft.com/office/drawing/2010/main" xmlns="" w="9525">
                   <a:solidFill>
                     <a:srgbClr val="000000"/>
                   </a:solidFill>
@@ -1822,7 +1822,7 @@
             </a:ln>
             <a:extLst>
               <a:ext uri="{91240B29-F687-4f45-9708-019B960494DF}">
-                <a14:hiddenLine xmlns="" xmlns:a14="http://schemas.microsoft.com/office/drawing/2010/main" w="9525">
+                <a14:hiddenLine xmlns:a14="http://schemas.microsoft.com/office/drawing/2010/main" xmlns="" w="9525">
                   <a:solidFill>
                     <a:srgbClr val="000000"/>
                   </a:solidFill>
@@ -1912,7 +1912,7 @@
             </a:ln>
             <a:extLst>
               <a:ext uri="{91240B29-F687-4f45-9708-019B960494DF}">
-                <a14:hiddenLine xmlns="" xmlns:a14="http://schemas.microsoft.com/office/drawing/2010/main" w="9525">
+                <a14:hiddenLine xmlns:a14="http://schemas.microsoft.com/office/drawing/2010/main" xmlns="" w="9525">
                   <a:solidFill>
                     <a:srgbClr val="000000"/>
                   </a:solidFill>
@@ -1974,7 +1974,7 @@
             </a:ln>
             <a:extLst>
               <a:ext uri="{91240B29-F687-4f45-9708-019B960494DF}">
-                <a14:hiddenLine xmlns="" xmlns:a14="http://schemas.microsoft.com/office/drawing/2010/main" w="9525">
+                <a14:hiddenLine xmlns:a14="http://schemas.microsoft.com/office/drawing/2010/main" xmlns="" w="9525">
                   <a:solidFill>
                     <a:srgbClr val="000000"/>
                   </a:solidFill>
@@ -2064,7 +2064,7 @@
             </a:ln>
             <a:extLst>
               <a:ext uri="{91240B29-F687-4f45-9708-019B960494DF}">
-                <a14:hiddenLine xmlns="" xmlns:a14="http://schemas.microsoft.com/office/drawing/2010/main" w="9525">
+                <a14:hiddenLine xmlns:a14="http://schemas.microsoft.com/office/drawing/2010/main" xmlns="" w="9525">
                   <a:solidFill>
                     <a:srgbClr val="000000"/>
                   </a:solidFill>
@@ -2154,7 +2154,7 @@
             </a:ln>
             <a:extLst>
               <a:ext uri="{91240B29-F687-4f45-9708-019B960494DF}">
-                <a14:hiddenLine xmlns="" xmlns:a14="http://schemas.microsoft.com/office/drawing/2010/main" w="9525">
+                <a14:hiddenLine xmlns:a14="http://schemas.microsoft.com/office/drawing/2010/main" xmlns="" w="9525">
                   <a:solidFill>
                     <a:srgbClr val="000000"/>
                   </a:solidFill>
@@ -2210,7 +2210,7 @@
             </a:ln>
             <a:extLst>
               <a:ext uri="{91240B29-F687-4f45-9708-019B960494DF}">
-                <a14:hiddenLine xmlns="" xmlns:a14="http://schemas.microsoft.com/office/drawing/2010/main" w="9525">
+                <a14:hiddenLine xmlns:a14="http://schemas.microsoft.com/office/drawing/2010/main" xmlns="" w="9525">
                   <a:solidFill>
                     <a:srgbClr val="000000"/>
                   </a:solidFill>
@@ -2300,7 +2300,7 @@
             </a:ln>
             <a:extLst>
               <a:ext uri="{91240B29-F687-4f45-9708-019B960494DF}">
-                <a14:hiddenLine xmlns="" xmlns:a14="http://schemas.microsoft.com/office/drawing/2010/main" w="9525">
+                <a14:hiddenLine xmlns:a14="http://schemas.microsoft.com/office/drawing/2010/main" xmlns="" w="9525">
                   <a:solidFill>
                     <a:srgbClr val="000000"/>
                   </a:solidFill>
@@ -2356,7 +2356,7 @@
             </a:ln>
             <a:extLst>
               <a:ext uri="{91240B29-F687-4f45-9708-019B960494DF}">
-                <a14:hiddenLine xmlns="" xmlns:a14="http://schemas.microsoft.com/office/drawing/2010/main" w="9525">
+                <a14:hiddenLine xmlns:a14="http://schemas.microsoft.com/office/drawing/2010/main" xmlns="" w="9525">
                   <a:solidFill>
                     <a:srgbClr val="000000"/>
                   </a:solidFill>
@@ -2446,7 +2446,7 @@
             </a:ln>
             <a:extLst>
               <a:ext uri="{91240B29-F687-4f45-9708-019B960494DF}">
-                <a14:hiddenLine xmlns="" xmlns:a14="http://schemas.microsoft.com/office/drawing/2010/main" w="9525">
+                <a14:hiddenLine xmlns:a14="http://schemas.microsoft.com/office/drawing/2010/main" xmlns="" w="9525">
                   <a:solidFill>
                     <a:srgbClr val="000000"/>
                   </a:solidFill>
@@ -2514,7 +2514,7 @@
             </a:ln>
             <a:extLst>
               <a:ext uri="{91240B29-F687-4f45-9708-019B960494DF}">
-                <a14:hiddenLine xmlns="" xmlns:a14="http://schemas.microsoft.com/office/drawing/2010/main" w="9525">
+                <a14:hiddenLine xmlns:a14="http://schemas.microsoft.com/office/drawing/2010/main" xmlns="" w="9525">
                   <a:solidFill>
                     <a:srgbClr val="000000"/>
                   </a:solidFill>
@@ -2604,7 +2604,7 @@
             </a:ln>
             <a:extLst>
               <a:ext uri="{91240B29-F687-4f45-9708-019B960494DF}">
-                <a14:hiddenLine xmlns="" xmlns:a14="http://schemas.microsoft.com/office/drawing/2010/main" w="9525">
+                <a14:hiddenLine xmlns:a14="http://schemas.microsoft.com/office/drawing/2010/main" xmlns="" w="9525">
                   <a:solidFill>
                     <a:srgbClr val="000000"/>
                   </a:solidFill>
@@ -2672,7 +2672,7 @@
             </a:ln>
             <a:extLst>
               <a:ext uri="{91240B29-F687-4f45-9708-019B960494DF}">
-                <a14:hiddenLine xmlns="" xmlns:a14="http://schemas.microsoft.com/office/drawing/2010/main" w="9525">
+                <a14:hiddenLine xmlns:a14="http://schemas.microsoft.com/office/drawing/2010/main" xmlns="" w="9525">
                   <a:solidFill>
                     <a:srgbClr val="000000"/>
                   </a:solidFill>
@@ -2762,7 +2762,7 @@
             </a:ln>
             <a:extLst>
               <a:ext uri="{91240B29-F687-4f45-9708-019B960494DF}">
-                <a14:hiddenLine xmlns="" xmlns:a14="http://schemas.microsoft.com/office/drawing/2010/main" w="9525">
+                <a14:hiddenLine xmlns:a14="http://schemas.microsoft.com/office/drawing/2010/main" xmlns="" w="9525">
                   <a:solidFill>
                     <a:srgbClr val="000000"/>
                   </a:solidFill>
@@ -2796,7 +2796,7 @@
             </a:ln>
             <a:extLst>
               <a:ext uri="{91240B29-F687-4f45-9708-019B960494DF}">
-                <a14:hiddenLine xmlns="" xmlns:a14="http://schemas.microsoft.com/office/drawing/2010/main" w="9525">
+                <a14:hiddenLine xmlns:a14="http://schemas.microsoft.com/office/drawing/2010/main" xmlns="" w="9525">
                   <a:solidFill>
                     <a:srgbClr val="000000"/>
                   </a:solidFill>
@@ -2886,7 +2886,7 @@
             </a:ln>
             <a:extLst>
               <a:ext uri="{91240B29-F687-4f45-9708-019B960494DF}">
-                <a14:hiddenLine xmlns="" xmlns:a14="http://schemas.microsoft.com/office/drawing/2010/main" w="9525">
+                <a14:hiddenLine xmlns:a14="http://schemas.microsoft.com/office/drawing/2010/main" xmlns="" w="9525">
                   <a:solidFill>
                     <a:srgbClr val="000000"/>
                   </a:solidFill>
@@ -2948,7 +2948,7 @@
             </a:ln>
             <a:extLst>
               <a:ext uri="{91240B29-F687-4f45-9708-019B960494DF}">
-                <a14:hiddenLine xmlns="" xmlns:a14="http://schemas.microsoft.com/office/drawing/2010/main" w="9525">
+                <a14:hiddenLine xmlns:a14="http://schemas.microsoft.com/office/drawing/2010/main" xmlns="" w="9525">
                   <a:solidFill>
                     <a:srgbClr val="000000"/>
                   </a:solidFill>
@@ -3010,7 +3010,7 @@
             </a:ln>
             <a:extLst>
               <a:ext uri="{91240B29-F687-4f45-9708-019B960494DF}">
-                <a14:hiddenLine xmlns="" xmlns:a14="http://schemas.microsoft.com/office/drawing/2010/main" w="9525">
+                <a14:hiddenLine xmlns:a14="http://schemas.microsoft.com/office/drawing/2010/main" xmlns="" w="9525">
                   <a:solidFill>
                     <a:srgbClr val="000000"/>
                   </a:solidFill>
@@ -3100,7 +3100,7 @@
             </a:ln>
             <a:extLst>
               <a:ext uri="{91240B29-F687-4f45-9708-019B960494DF}">
-                <a14:hiddenLine xmlns="" xmlns:a14="http://schemas.microsoft.com/office/drawing/2010/main" w="9525">
+                <a14:hiddenLine xmlns:a14="http://schemas.microsoft.com/office/drawing/2010/main" xmlns="" w="9525">
                   <a:solidFill>
                     <a:srgbClr val="000000"/>
                   </a:solidFill>
@@ -3168,7 +3168,7 @@
             </a:ln>
             <a:extLst>
               <a:ext uri="{91240B29-F687-4f45-9708-019B960494DF}">
-                <a14:hiddenLine xmlns="" xmlns:a14="http://schemas.microsoft.com/office/drawing/2010/main" w="9525">
+                <a14:hiddenLine xmlns:a14="http://schemas.microsoft.com/office/drawing/2010/main" xmlns="" w="9525">
                   <a:solidFill>
                     <a:srgbClr val="000000"/>
                   </a:solidFill>
@@ -3230,7 +3230,7 @@
             </a:ln>
             <a:extLst>
               <a:ext uri="{91240B29-F687-4f45-9708-019B960494DF}">
-                <a14:hiddenLine xmlns="" xmlns:a14="http://schemas.microsoft.com/office/drawing/2010/main" w="9525">
+                <a14:hiddenLine xmlns:a14="http://schemas.microsoft.com/office/drawing/2010/main" xmlns="" w="9525">
                   <a:solidFill>
                     <a:srgbClr val="000000"/>
                   </a:solidFill>
@@ -3320,7 +3320,7 @@
             </a:ln>
             <a:extLst>
               <a:ext uri="{91240B29-F687-4f45-9708-019B960494DF}">
-                <a14:hiddenLine xmlns="" xmlns:a14="http://schemas.microsoft.com/office/drawing/2010/main" w="9525">
+                <a14:hiddenLine xmlns:a14="http://schemas.microsoft.com/office/drawing/2010/main" xmlns="" w="9525">
                   <a:solidFill>
                     <a:srgbClr val="000000"/>
                   </a:solidFill>
@@ -3382,7 +3382,7 @@
             </a:ln>
             <a:extLst>
               <a:ext uri="{91240B29-F687-4f45-9708-019B960494DF}">
-                <a14:hiddenLine xmlns="" xmlns:a14="http://schemas.microsoft.com/office/drawing/2010/main" w="9525">
+                <a14:hiddenLine xmlns:a14="http://schemas.microsoft.com/office/drawing/2010/main" xmlns="" w="9525">
                   <a:solidFill>
                     <a:srgbClr val="000000"/>
                   </a:solidFill>
@@ -3472,7 +3472,7 @@
             </a:ln>
             <a:extLst>
               <a:ext uri="{91240B29-F687-4f45-9708-019B960494DF}">
-                <a14:hiddenLine xmlns="" xmlns:a14="http://schemas.microsoft.com/office/drawing/2010/main" w="9525">
+                <a14:hiddenLine xmlns:a14="http://schemas.microsoft.com/office/drawing/2010/main" xmlns="" w="9525">
                   <a:solidFill>
                     <a:srgbClr val="000000"/>
                   </a:solidFill>
@@ -3534,7 +3534,7 @@
             </a:ln>
             <a:extLst>
               <a:ext uri="{91240B29-F687-4f45-9708-019B960494DF}">
-                <a14:hiddenLine xmlns="" xmlns:a14="http://schemas.microsoft.com/office/drawing/2010/main" w="9525">
+                <a14:hiddenLine xmlns:a14="http://schemas.microsoft.com/office/drawing/2010/main" xmlns="" w="9525">
                   <a:solidFill>
                     <a:srgbClr val="000000"/>
                   </a:solidFill>
@@ -3624,7 +3624,7 @@
             </a:ln>
             <a:extLst>
               <a:ext uri="{91240B29-F687-4f45-9708-019B960494DF}">
-                <a14:hiddenLine xmlns="" xmlns:a14="http://schemas.microsoft.com/office/drawing/2010/main" w="9525">
+                <a14:hiddenLine xmlns:a14="http://schemas.microsoft.com/office/drawing/2010/main" xmlns="" w="9525">
                   <a:solidFill>
                     <a:srgbClr val="000000"/>
                   </a:solidFill>
@@ -3658,7 +3658,7 @@
             </a:ln>
             <a:extLst>
               <a:ext uri="{91240B29-F687-4f45-9708-019B960494DF}">
-                <a14:hiddenLine xmlns="" xmlns:a14="http://schemas.microsoft.com/office/drawing/2010/main" w="9525">
+                <a14:hiddenLine xmlns:a14="http://schemas.microsoft.com/office/drawing/2010/main" xmlns="" w="9525">
                   <a:solidFill>
                     <a:srgbClr val="000000"/>
                   </a:solidFill>
@@ -3723,7 +3723,7 @@
             </a:ln>
             <a:extLst>
               <a:ext uri="{91240B29-F687-4f45-9708-019B960494DF}">
-                <a14:hiddenLine xmlns="" xmlns:a14="http://schemas.microsoft.com/office/drawing/2010/main" w="9525">
+                <a14:hiddenLine xmlns:a14="http://schemas.microsoft.com/office/drawing/2010/main" xmlns="" w="9525">
                   <a:solidFill>
                     <a:srgbClr val="000000"/>
                   </a:solidFill>
@@ -3813,7 +3813,7 @@
             </a:ln>
             <a:extLst>
               <a:ext uri="{91240B29-F687-4f45-9708-019B960494DF}">
-                <a14:hiddenLine xmlns="" xmlns:a14="http://schemas.microsoft.com/office/drawing/2010/main" w="9525">
+                <a14:hiddenLine xmlns:a14="http://schemas.microsoft.com/office/drawing/2010/main" xmlns="" w="9525">
                   <a:solidFill>
                     <a:srgbClr val="000000"/>
                   </a:solidFill>
@@ -3875,7 +3875,7 @@
             </a:ln>
             <a:extLst>
               <a:ext uri="{91240B29-F687-4f45-9708-019B960494DF}">
-                <a14:hiddenLine xmlns="" xmlns:a14="http://schemas.microsoft.com/office/drawing/2010/main" w="9525">
+                <a14:hiddenLine xmlns:a14="http://schemas.microsoft.com/office/drawing/2010/main" xmlns="" w="9525">
                   <a:solidFill>
                     <a:srgbClr val="000000"/>
                   </a:solidFill>
@@ -3965,7 +3965,7 @@
             </a:ln>
             <a:extLst>
               <a:ext uri="{91240B29-F687-4f45-9708-019B960494DF}">
-                <a14:hiddenLine xmlns="" xmlns:a14="http://schemas.microsoft.com/office/drawing/2010/main" w="9525">
+                <a14:hiddenLine xmlns:a14="http://schemas.microsoft.com/office/drawing/2010/main" xmlns="" w="9525">
                   <a:solidFill>
                     <a:srgbClr val="000000"/>
                   </a:solidFill>
@@ -4055,7 +4055,7 @@
             </a:ln>
             <a:extLst>
               <a:ext uri="{91240B29-F687-4f45-9708-019B960494DF}">
-                <a14:hiddenLine xmlns="" xmlns:a14="http://schemas.microsoft.com/office/drawing/2010/main" w="9525">
+                <a14:hiddenLine xmlns:a14="http://schemas.microsoft.com/office/drawing/2010/main" xmlns="" w="9525">
                   <a:solidFill>
                     <a:srgbClr val="000000"/>
                   </a:solidFill>
@@ -4120,7 +4120,7 @@
             </a:ln>
             <a:extLst>
               <a:ext uri="{91240B29-F687-4f45-9708-019B960494DF}">
-                <a14:hiddenLine xmlns="" xmlns:a14="http://schemas.microsoft.com/office/drawing/2010/main" w="9525">
+                <a14:hiddenLine xmlns:a14="http://schemas.microsoft.com/office/drawing/2010/main" xmlns="" w="9525">
                   <a:solidFill>
                     <a:srgbClr val="000000"/>
                   </a:solidFill>
@@ -4182,7 +4182,7 @@
             </a:ln>
             <a:extLst>
               <a:ext uri="{91240B29-F687-4f45-9708-019B960494DF}">
-                <a14:hiddenLine xmlns="" xmlns:a14="http://schemas.microsoft.com/office/drawing/2010/main" w="9525">
+                <a14:hiddenLine xmlns:a14="http://schemas.microsoft.com/office/drawing/2010/main" xmlns="" w="9525">
                   <a:solidFill>
                     <a:srgbClr val="000000"/>
                   </a:solidFill>
@@ -4272,7 +4272,7 @@
             </a:ln>
             <a:extLst>
               <a:ext uri="{91240B29-F687-4f45-9708-019B960494DF}">
-                <a14:hiddenLine xmlns="" xmlns:a14="http://schemas.microsoft.com/office/drawing/2010/main" w="9525">
+                <a14:hiddenLine xmlns:a14="http://schemas.microsoft.com/office/drawing/2010/main" xmlns="" w="9525">
                   <a:solidFill>
                     <a:srgbClr val="000000"/>
                   </a:solidFill>
@@ -4362,7 +4362,7 @@
             </a:ln>
             <a:extLst>
               <a:ext uri="{91240B29-F687-4f45-9708-019B960494DF}">
-                <a14:hiddenLine xmlns="" xmlns:a14="http://schemas.microsoft.com/office/drawing/2010/main" w="9525">
+                <a14:hiddenLine xmlns:a14="http://schemas.microsoft.com/office/drawing/2010/main" xmlns="" w="9525">
                   <a:solidFill>
                     <a:srgbClr val="000000"/>
                   </a:solidFill>
@@ -4424,7 +4424,7 @@
             </a:ln>
             <a:extLst>
               <a:ext uri="{91240B29-F687-4f45-9708-019B960494DF}">
-                <a14:hiddenLine xmlns="" xmlns:a14="http://schemas.microsoft.com/office/drawing/2010/main" w="9525">
+                <a14:hiddenLine xmlns:a14="http://schemas.microsoft.com/office/drawing/2010/main" xmlns="" w="9525">
                   <a:solidFill>
                     <a:srgbClr val="000000"/>
                   </a:solidFill>
@@ -4544,7 +4544,7 @@
             </a:ln>
             <a:extLst>
               <a:ext uri="{91240B29-F687-4f45-9708-019B960494DF}">
-                <a14:hiddenLine xmlns="" xmlns:a14="http://schemas.microsoft.com/office/drawing/2010/main" w="9525">
+                <a14:hiddenLine xmlns:a14="http://schemas.microsoft.com/office/drawing/2010/main" xmlns="" w="9525">
                   <a:solidFill>
                     <a:srgbClr val="000000"/>
                   </a:solidFill>
@@ -4612,7 +4612,7 @@
             </a:ln>
             <a:extLst>
               <a:ext uri="{91240B29-F687-4f45-9708-019B960494DF}">
-                <a14:hiddenLine xmlns="" xmlns:a14="http://schemas.microsoft.com/office/drawing/2010/main" w="9525">
+                <a14:hiddenLine xmlns:a14="http://schemas.microsoft.com/office/drawing/2010/main" xmlns="" w="9525">
                   <a:solidFill>
                     <a:srgbClr val="000000"/>
                   </a:solidFill>
@@ -4702,7 +4702,7 @@
             </a:ln>
             <a:extLst>
               <a:ext uri="{91240B29-F687-4f45-9708-019B960494DF}">
-                <a14:hiddenLine xmlns="" xmlns:a14="http://schemas.microsoft.com/office/drawing/2010/main" w="9525">
+                <a14:hiddenLine xmlns:a14="http://schemas.microsoft.com/office/drawing/2010/main" xmlns="" w="9525">
                   <a:solidFill>
                     <a:srgbClr val="000000"/>
                   </a:solidFill>
@@ -4842,7 +4842,7 @@
           <a:p>
             <a:fld id="{5576B12A-8ED0-474F-B569-C520DE5BEE77}" type="datetimeFigureOut">
               <a:rPr lang="en-US" smtClean="0"/>
-              <a:t>12/10/2018</a:t>
+              <a:t>12/11/2018</a:t>
             </a:fld>
             <a:endParaRPr lang="en-US"/>
           </a:p>
@@ -5109,7 +5109,7 @@
           <a:p>
             <a:fld id="{5576B12A-8ED0-474F-B569-C520DE5BEE77}" type="datetimeFigureOut">
               <a:rPr lang="en-US" smtClean="0"/>
-              <a:t>12/10/2018</a:t>
+              <a:t>12/11/2018</a:t>
             </a:fld>
             <a:endParaRPr lang="en-US"/>
           </a:p>
@@ -5305,7 +5305,7 @@
           <a:p>
             <a:fld id="{5576B12A-8ED0-474F-B569-C520DE5BEE77}" type="datetimeFigureOut">
               <a:rPr lang="en-US" smtClean="0"/>
-              <a:t>12/10/2018</a:t>
+              <a:t>12/11/2018</a:t>
             </a:fld>
             <a:endParaRPr lang="en-US"/>
           </a:p>
@@ -5568,7 +5568,7 @@
           <a:p>
             <a:fld id="{5576B12A-8ED0-474F-B569-C520DE5BEE77}" type="datetimeFigureOut">
               <a:rPr lang="en-US" smtClean="0"/>
-              <a:t>12/10/2018</a:t>
+              <a:t>12/11/2018</a:t>
             </a:fld>
             <a:endParaRPr lang="en-US"/>
           </a:p>
@@ -6002,7 +6002,7 @@
           <a:p>
             <a:fld id="{5576B12A-8ED0-474F-B569-C520DE5BEE77}" type="datetimeFigureOut">
               <a:rPr lang="en-US" smtClean="0"/>
-              <a:t>12/10/2018</a:t>
+              <a:t>12/11/2018</a:t>
             </a:fld>
             <a:endParaRPr lang="en-US"/>
           </a:p>
@@ -6548,7 +6548,7 @@
           <a:p>
             <a:fld id="{5576B12A-8ED0-474F-B569-C520DE5BEE77}" type="datetimeFigureOut">
               <a:rPr lang="en-US" smtClean="0"/>
-              <a:t>12/10/2018</a:t>
+              <a:t>12/11/2018</a:t>
             </a:fld>
             <a:endParaRPr lang="en-US"/>
           </a:p>
@@ -7268,7 +7268,7 @@
           <a:p>
             <a:fld id="{5576B12A-8ED0-474F-B569-C520DE5BEE77}" type="datetimeFigureOut">
               <a:rPr lang="en-US" smtClean="0"/>
-              <a:t>12/10/2018</a:t>
+              <a:t>12/11/2018</a:t>
             </a:fld>
             <a:endParaRPr lang="en-US"/>
           </a:p>
@@ -7438,7 +7438,7 @@
           <a:p>
             <a:fld id="{5576B12A-8ED0-474F-B569-C520DE5BEE77}" type="datetimeFigureOut">
               <a:rPr lang="en-US" smtClean="0"/>
-              <a:t>12/10/2018</a:t>
+              <a:t>12/11/2018</a:t>
             </a:fld>
             <a:endParaRPr lang="en-US"/>
           </a:p>
@@ -7618,7 +7618,7 @@
           <a:p>
             <a:fld id="{5576B12A-8ED0-474F-B569-C520DE5BEE77}" type="datetimeFigureOut">
               <a:rPr lang="en-US" smtClean="0"/>
-              <a:t>12/10/2018</a:t>
+              <a:t>12/11/2018</a:t>
             </a:fld>
             <a:endParaRPr lang="en-US"/>
           </a:p>
@@ -7788,7 +7788,7 @@
           <a:p>
             <a:fld id="{5576B12A-8ED0-474F-B569-C520DE5BEE77}" type="datetimeFigureOut">
               <a:rPr lang="en-US" smtClean="0"/>
-              <a:t>12/10/2018</a:t>
+              <a:t>12/11/2018</a:t>
             </a:fld>
             <a:endParaRPr lang="en-US"/>
           </a:p>
@@ -8038,7 +8038,7 @@
           <a:p>
             <a:fld id="{5576B12A-8ED0-474F-B569-C520DE5BEE77}" type="datetimeFigureOut">
               <a:rPr lang="en-US" smtClean="0"/>
-              <a:t>12/10/2018</a:t>
+              <a:t>12/11/2018</a:t>
             </a:fld>
             <a:endParaRPr lang="en-US"/>
           </a:p>
@@ -8270,7 +8270,7 @@
           <a:p>
             <a:fld id="{5576B12A-8ED0-474F-B569-C520DE5BEE77}" type="datetimeFigureOut">
               <a:rPr lang="en-US" smtClean="0"/>
-              <a:t>12/10/2018</a:t>
+              <a:t>12/11/2018</a:t>
             </a:fld>
             <a:endParaRPr lang="en-US"/>
           </a:p>
@@ -8651,7 +8651,7 @@
           <a:p>
             <a:fld id="{5576B12A-8ED0-474F-B569-C520DE5BEE77}" type="datetimeFigureOut">
               <a:rPr lang="en-US" smtClean="0"/>
-              <a:t>12/10/2018</a:t>
+              <a:t>12/11/2018</a:t>
             </a:fld>
             <a:endParaRPr lang="en-US"/>
           </a:p>
@@ -8769,7 +8769,7 @@
           <a:p>
             <a:fld id="{5576B12A-8ED0-474F-B569-C520DE5BEE77}" type="datetimeFigureOut">
               <a:rPr lang="en-US" smtClean="0"/>
-              <a:t>12/10/2018</a:t>
+              <a:t>12/11/2018</a:t>
             </a:fld>
             <a:endParaRPr lang="en-US"/>
           </a:p>
@@ -8864,7 +8864,7 @@
           <a:p>
             <a:fld id="{5576B12A-8ED0-474F-B569-C520DE5BEE77}" type="datetimeFigureOut">
               <a:rPr lang="en-US" smtClean="0"/>
-              <a:t>12/10/2018</a:t>
+              <a:t>12/11/2018</a:t>
             </a:fld>
             <a:endParaRPr lang="en-US"/>
           </a:p>
@@ -9113,7 +9113,7 @@
           <a:p>
             <a:fld id="{5576B12A-8ED0-474F-B569-C520DE5BEE77}" type="datetimeFigureOut">
               <a:rPr lang="en-US" smtClean="0"/>
-              <a:t>12/10/2018</a:t>
+              <a:t>12/11/2018</a:t>
             </a:fld>
             <a:endParaRPr lang="en-US"/>
           </a:p>
@@ -9393,7 +9393,7 @@
           <a:p>
             <a:fld id="{5576B12A-8ED0-474F-B569-C520DE5BEE77}" type="datetimeFigureOut">
               <a:rPr lang="en-US" smtClean="0"/>
-              <a:t>12/10/2018</a:t>
+              <a:t>12/11/2018</a:t>
             </a:fld>
             <a:endParaRPr lang="en-US"/>
           </a:p>
@@ -9509,7 +9509,7 @@
           <a:noFill/>
           <a:extLst>
             <a:ext uri="{909E8E84-426E-40dd-AFC4-6F175D3DCCD1}">
-              <a14:hiddenFill xmlns="" xmlns:a14="http://schemas.microsoft.com/office/drawing/2010/main">
+              <a14:hiddenFill xmlns:a14="http://schemas.microsoft.com/office/drawing/2010/main" xmlns="">
                 <a:solidFill>
                   <a:srgbClr val="FFFFFF"/>
                 </a:solidFill>
@@ -9583,7 +9583,7 @@
               </a:ln>
               <a:extLst>
                 <a:ext uri="{91240B29-F687-4f45-9708-019B960494DF}">
-                  <a14:hiddenLine xmlns="" xmlns:a14="http://schemas.microsoft.com/office/drawing/2010/main" w="9525">
+                  <a14:hiddenLine xmlns:a14="http://schemas.microsoft.com/office/drawing/2010/main" xmlns="" w="9525">
                     <a:solidFill>
                       <a:srgbClr val="000000"/>
                     </a:solidFill>
@@ -9673,7 +9673,7 @@
               </a:ln>
               <a:extLst>
                 <a:ext uri="{91240B29-F687-4f45-9708-019B960494DF}">
-                  <a14:hiddenLine xmlns="" xmlns:a14="http://schemas.microsoft.com/office/drawing/2010/main" w="9525">
+                  <a14:hiddenLine xmlns:a14="http://schemas.microsoft.com/office/drawing/2010/main" xmlns="" w="9525">
                     <a:solidFill>
                       <a:srgbClr val="000000"/>
                     </a:solidFill>
@@ -9763,7 +9763,7 @@
               </a:ln>
               <a:extLst>
                 <a:ext uri="{91240B29-F687-4f45-9708-019B960494DF}">
-                  <a14:hiddenLine xmlns="" xmlns:a14="http://schemas.microsoft.com/office/drawing/2010/main" w="9525">
+                  <a14:hiddenLine xmlns:a14="http://schemas.microsoft.com/office/drawing/2010/main" xmlns="" w="9525">
                     <a:solidFill>
                       <a:srgbClr val="000000"/>
                     </a:solidFill>
@@ -9825,7 +9825,7 @@
               </a:ln>
               <a:extLst>
                 <a:ext uri="{91240B29-F687-4f45-9708-019B960494DF}">
-                  <a14:hiddenLine xmlns="" xmlns:a14="http://schemas.microsoft.com/office/drawing/2010/main" w="9525">
+                  <a14:hiddenLine xmlns:a14="http://schemas.microsoft.com/office/drawing/2010/main" xmlns="" w="9525">
                     <a:solidFill>
                       <a:srgbClr val="000000"/>
                     </a:solidFill>
@@ -9915,7 +9915,7 @@
               </a:ln>
               <a:extLst>
                 <a:ext uri="{91240B29-F687-4f45-9708-019B960494DF}">
-                  <a14:hiddenLine xmlns="" xmlns:a14="http://schemas.microsoft.com/office/drawing/2010/main" w="9525">
+                  <a14:hiddenLine xmlns:a14="http://schemas.microsoft.com/office/drawing/2010/main" xmlns="" w="9525">
                     <a:solidFill>
                       <a:srgbClr val="000000"/>
                     </a:solidFill>
@@ -9977,7 +9977,7 @@
               </a:ln>
               <a:extLst>
                 <a:ext uri="{91240B29-F687-4f45-9708-019B960494DF}">
-                  <a14:hiddenLine xmlns="" xmlns:a14="http://schemas.microsoft.com/office/drawing/2010/main" w="9525">
+                  <a14:hiddenLine xmlns:a14="http://schemas.microsoft.com/office/drawing/2010/main" xmlns="" w="9525">
                     <a:solidFill>
                       <a:srgbClr val="000000"/>
                     </a:solidFill>
@@ -10039,7 +10039,7 @@
               </a:ln>
               <a:extLst>
                 <a:ext uri="{91240B29-F687-4f45-9708-019B960494DF}">
-                  <a14:hiddenLine xmlns="" xmlns:a14="http://schemas.microsoft.com/office/drawing/2010/main" w="9525">
+                  <a14:hiddenLine xmlns:a14="http://schemas.microsoft.com/office/drawing/2010/main" xmlns="" w="9525">
                     <a:solidFill>
                       <a:srgbClr val="000000"/>
                     </a:solidFill>
@@ -10129,7 +10129,7 @@
               </a:ln>
               <a:extLst>
                 <a:ext uri="{91240B29-F687-4f45-9708-019B960494DF}">
-                  <a14:hiddenLine xmlns="" xmlns:a14="http://schemas.microsoft.com/office/drawing/2010/main" w="9525">
+                  <a14:hiddenLine xmlns:a14="http://schemas.microsoft.com/office/drawing/2010/main" xmlns="" w="9525">
                     <a:solidFill>
                       <a:srgbClr val="000000"/>
                     </a:solidFill>
@@ -10219,7 +10219,7 @@
               </a:ln>
               <a:extLst>
                 <a:ext uri="{91240B29-F687-4f45-9708-019B960494DF}">
-                  <a14:hiddenLine xmlns="" xmlns:a14="http://schemas.microsoft.com/office/drawing/2010/main" w="9525">
+                  <a14:hiddenLine xmlns:a14="http://schemas.microsoft.com/office/drawing/2010/main" xmlns="" w="9525">
                     <a:solidFill>
                       <a:srgbClr val="000000"/>
                     </a:solidFill>
@@ -10281,7 +10281,7 @@
               </a:ln>
               <a:extLst>
                 <a:ext uri="{91240B29-F687-4f45-9708-019B960494DF}">
-                  <a14:hiddenLine xmlns="" xmlns:a14="http://schemas.microsoft.com/office/drawing/2010/main" w="9525">
+                  <a14:hiddenLine xmlns:a14="http://schemas.microsoft.com/office/drawing/2010/main" xmlns="" w="9525">
                     <a:solidFill>
                       <a:srgbClr val="000000"/>
                     </a:solidFill>
@@ -10391,7 +10391,7 @@
               </a:ln>
               <a:extLst>
                 <a:ext uri="{91240B29-F687-4f45-9708-019B960494DF}">
-                  <a14:hiddenLine xmlns="" xmlns:a14="http://schemas.microsoft.com/office/drawing/2010/main" w="9525">
+                  <a14:hiddenLine xmlns:a14="http://schemas.microsoft.com/office/drawing/2010/main" xmlns="" w="9525">
                     <a:solidFill>
                       <a:srgbClr val="000000"/>
                     </a:solidFill>
@@ -10475,7 +10475,7 @@
               </a:ln>
               <a:extLst>
                 <a:ext uri="{91240B29-F687-4f45-9708-019B960494DF}">
-                  <a14:hiddenLine xmlns="" xmlns:a14="http://schemas.microsoft.com/office/drawing/2010/main" w="9525">
+                  <a14:hiddenLine xmlns:a14="http://schemas.microsoft.com/office/drawing/2010/main" xmlns="" w="9525">
                     <a:solidFill>
                       <a:srgbClr val="000000"/>
                     </a:solidFill>
@@ -10537,7 +10537,7 @@
               </a:ln>
               <a:extLst>
                 <a:ext uri="{91240B29-F687-4f45-9708-019B960494DF}">
-                  <a14:hiddenLine xmlns="" xmlns:a14="http://schemas.microsoft.com/office/drawing/2010/main" w="9525">
+                  <a14:hiddenLine xmlns:a14="http://schemas.microsoft.com/office/drawing/2010/main" xmlns="" w="9525">
                     <a:solidFill>
                       <a:srgbClr val="000000"/>
                     </a:solidFill>
@@ -10599,7 +10599,7 @@
               </a:ln>
               <a:extLst>
                 <a:ext uri="{91240B29-F687-4f45-9708-019B960494DF}">
-                  <a14:hiddenLine xmlns="" xmlns:a14="http://schemas.microsoft.com/office/drawing/2010/main" w="9525">
+                  <a14:hiddenLine xmlns:a14="http://schemas.microsoft.com/office/drawing/2010/main" xmlns="" w="9525">
                     <a:solidFill>
                       <a:srgbClr val="000000"/>
                     </a:solidFill>
@@ -10689,7 +10689,7 @@
               </a:ln>
               <a:extLst>
                 <a:ext uri="{91240B29-F687-4f45-9708-019B960494DF}">
-                  <a14:hiddenLine xmlns="" xmlns:a14="http://schemas.microsoft.com/office/drawing/2010/main" w="9525">
+                  <a14:hiddenLine xmlns:a14="http://schemas.microsoft.com/office/drawing/2010/main" xmlns="" w="9525">
                     <a:solidFill>
                       <a:srgbClr val="000000"/>
                     </a:solidFill>
@@ -10723,7 +10723,7 @@
               </a:ln>
               <a:extLst>
                 <a:ext uri="{91240B29-F687-4f45-9708-019B960494DF}">
-                  <a14:hiddenLine xmlns="" xmlns:a14="http://schemas.microsoft.com/office/drawing/2010/main" w="9525">
+                  <a14:hiddenLine xmlns:a14="http://schemas.microsoft.com/office/drawing/2010/main" xmlns="" w="9525">
                     <a:solidFill>
                       <a:srgbClr val="000000"/>
                     </a:solidFill>
@@ -10788,7 +10788,7 @@
               </a:ln>
               <a:extLst>
                 <a:ext uri="{91240B29-F687-4f45-9708-019B960494DF}">
-                  <a14:hiddenLine xmlns="" xmlns:a14="http://schemas.microsoft.com/office/drawing/2010/main" w="9525">
+                  <a14:hiddenLine xmlns:a14="http://schemas.microsoft.com/office/drawing/2010/main" xmlns="" w="9525">
                     <a:solidFill>
                       <a:srgbClr val="000000"/>
                     </a:solidFill>
@@ -10878,7 +10878,7 @@
               </a:ln>
               <a:extLst>
                 <a:ext uri="{91240B29-F687-4f45-9708-019B960494DF}">
-                  <a14:hiddenLine xmlns="" xmlns:a14="http://schemas.microsoft.com/office/drawing/2010/main" w="9525">
+                  <a14:hiddenLine xmlns:a14="http://schemas.microsoft.com/office/drawing/2010/main" xmlns="" w="9525">
                     <a:solidFill>
                       <a:srgbClr val="000000"/>
                     </a:solidFill>
@@ -10940,7 +10940,7 @@
               </a:ln>
               <a:extLst>
                 <a:ext uri="{91240B29-F687-4f45-9708-019B960494DF}">
-                  <a14:hiddenLine xmlns="" xmlns:a14="http://schemas.microsoft.com/office/drawing/2010/main" w="9525">
+                  <a14:hiddenLine xmlns:a14="http://schemas.microsoft.com/office/drawing/2010/main" xmlns="" w="9525">
                     <a:solidFill>
                       <a:srgbClr val="000000"/>
                     </a:solidFill>
@@ -11030,7 +11030,7 @@
               </a:ln>
               <a:extLst>
                 <a:ext uri="{91240B29-F687-4f45-9708-019B960494DF}">
-                  <a14:hiddenLine xmlns="" xmlns:a14="http://schemas.microsoft.com/office/drawing/2010/main" w="9525">
+                  <a14:hiddenLine xmlns:a14="http://schemas.microsoft.com/office/drawing/2010/main" xmlns="" w="9525">
                     <a:solidFill>
                       <a:srgbClr val="000000"/>
                     </a:solidFill>
@@ -11095,7 +11095,7 @@
               </a:ln>
               <a:extLst>
                 <a:ext uri="{91240B29-F687-4f45-9708-019B960494DF}">
-                  <a14:hiddenLine xmlns="" xmlns:a14="http://schemas.microsoft.com/office/drawing/2010/main" w="9525">
+                  <a14:hiddenLine xmlns:a14="http://schemas.microsoft.com/office/drawing/2010/main" xmlns="" w="9525">
                     <a:solidFill>
                       <a:srgbClr val="000000"/>
                     </a:solidFill>
@@ -11157,7 +11157,7 @@
               </a:ln>
               <a:extLst>
                 <a:ext uri="{91240B29-F687-4f45-9708-019B960494DF}">
-                  <a14:hiddenLine xmlns="" xmlns:a14="http://schemas.microsoft.com/office/drawing/2010/main" w="9525">
+                  <a14:hiddenLine xmlns:a14="http://schemas.microsoft.com/office/drawing/2010/main" xmlns="" w="9525">
                     <a:solidFill>
                       <a:srgbClr val="000000"/>
                     </a:solidFill>
@@ -11247,7 +11247,7 @@
               </a:ln>
               <a:extLst>
                 <a:ext uri="{91240B29-F687-4f45-9708-019B960494DF}">
-                  <a14:hiddenLine xmlns="" xmlns:a14="http://schemas.microsoft.com/office/drawing/2010/main" w="9525">
+                  <a14:hiddenLine xmlns:a14="http://schemas.microsoft.com/office/drawing/2010/main" xmlns="" w="9525">
                     <a:solidFill>
                       <a:srgbClr val="000000"/>
                     </a:solidFill>
@@ -11337,7 +11337,7 @@
               </a:ln>
               <a:extLst>
                 <a:ext uri="{91240B29-F687-4f45-9708-019B960494DF}">
-                  <a14:hiddenLine xmlns="" xmlns:a14="http://schemas.microsoft.com/office/drawing/2010/main" w="9525">
+                  <a14:hiddenLine xmlns:a14="http://schemas.microsoft.com/office/drawing/2010/main" xmlns="" w="9525">
                     <a:solidFill>
                       <a:srgbClr val="000000"/>
                     </a:solidFill>
@@ -11402,7 +11402,7 @@
               </a:ln>
               <a:extLst>
                 <a:ext uri="{91240B29-F687-4f45-9708-019B960494DF}">
-                  <a14:hiddenLine xmlns="" xmlns:a14="http://schemas.microsoft.com/office/drawing/2010/main" w="9525">
+                  <a14:hiddenLine xmlns:a14="http://schemas.microsoft.com/office/drawing/2010/main" xmlns="" w="9525">
                     <a:solidFill>
                       <a:srgbClr val="000000"/>
                     </a:solidFill>
@@ -11522,7 +11522,7 @@
               </a:ln>
               <a:extLst>
                 <a:ext uri="{91240B29-F687-4f45-9708-019B960494DF}">
-                  <a14:hiddenLine xmlns="" xmlns:a14="http://schemas.microsoft.com/office/drawing/2010/main" w="9525">
+                  <a14:hiddenLine xmlns:a14="http://schemas.microsoft.com/office/drawing/2010/main" xmlns="" w="9525">
                     <a:solidFill>
                       <a:srgbClr val="000000"/>
                     </a:solidFill>
@@ -11620,7 +11620,7 @@
               </a:ln>
               <a:extLst>
                 <a:ext uri="{91240B29-F687-4f45-9708-019B960494DF}">
-                  <a14:hiddenLine xmlns="" xmlns:a14="http://schemas.microsoft.com/office/drawing/2010/main" w="9525">
+                  <a14:hiddenLine xmlns:a14="http://schemas.microsoft.com/office/drawing/2010/main" xmlns="" w="9525">
                     <a:solidFill>
                       <a:srgbClr val="000000"/>
                     </a:solidFill>
@@ -11735,7 +11735,7 @@
               </a:ln>
               <a:extLst>
                 <a:ext uri="{91240B29-F687-4f45-9708-019B960494DF}">
-                  <a14:hiddenLine xmlns="" xmlns:a14="http://schemas.microsoft.com/office/drawing/2010/main" w="9525">
+                  <a14:hiddenLine xmlns:a14="http://schemas.microsoft.com/office/drawing/2010/main" xmlns="" w="9525">
                     <a:solidFill>
                       <a:srgbClr val="000000"/>
                     </a:solidFill>
@@ -11825,7 +11825,7 @@
               </a:ln>
               <a:extLst>
                 <a:ext uri="{91240B29-F687-4f45-9708-019B960494DF}">
-                  <a14:hiddenLine xmlns="" xmlns:a14="http://schemas.microsoft.com/office/drawing/2010/main" w="9525">
+                  <a14:hiddenLine xmlns:a14="http://schemas.microsoft.com/office/drawing/2010/main" xmlns="" w="9525">
                     <a:solidFill>
                       <a:srgbClr val="000000"/>
                     </a:solidFill>
@@ -11890,7 +11890,7 @@
               </a:ln>
               <a:extLst>
                 <a:ext uri="{91240B29-F687-4f45-9708-019B960494DF}">
-                  <a14:hiddenLine xmlns="" xmlns:a14="http://schemas.microsoft.com/office/drawing/2010/main" w="9525">
+                  <a14:hiddenLine xmlns:a14="http://schemas.microsoft.com/office/drawing/2010/main" xmlns="" w="9525">
                     <a:solidFill>
                       <a:srgbClr val="000000"/>
                     </a:solidFill>
@@ -11980,7 +11980,7 @@
               </a:ln>
               <a:extLst>
                 <a:ext uri="{91240B29-F687-4f45-9708-019B960494DF}">
-                  <a14:hiddenLine xmlns="" xmlns:a14="http://schemas.microsoft.com/office/drawing/2010/main" w="9525">
+                  <a14:hiddenLine xmlns:a14="http://schemas.microsoft.com/office/drawing/2010/main" xmlns="" w="9525">
                     <a:solidFill>
                       <a:srgbClr val="000000"/>
                     </a:solidFill>
@@ -12048,7 +12048,7 @@
               </a:ln>
               <a:extLst>
                 <a:ext uri="{91240B29-F687-4f45-9708-019B960494DF}">
-                  <a14:hiddenLine xmlns="" xmlns:a14="http://schemas.microsoft.com/office/drawing/2010/main" w="9525">
+                  <a14:hiddenLine xmlns:a14="http://schemas.microsoft.com/office/drawing/2010/main" xmlns="" w="9525">
                     <a:solidFill>
                       <a:srgbClr val="000000"/>
                     </a:solidFill>
@@ -12138,7 +12138,7 @@
               </a:ln>
               <a:extLst>
                 <a:ext uri="{91240B29-F687-4f45-9708-019B960494DF}">
-                  <a14:hiddenLine xmlns="" xmlns:a14="http://schemas.microsoft.com/office/drawing/2010/main" w="9525">
+                  <a14:hiddenLine xmlns:a14="http://schemas.microsoft.com/office/drawing/2010/main" xmlns="" w="9525">
                     <a:solidFill>
                       <a:srgbClr val="000000"/>
                     </a:solidFill>
@@ -12206,7 +12206,7 @@
               </a:ln>
               <a:extLst>
                 <a:ext uri="{91240B29-F687-4f45-9708-019B960494DF}">
-                  <a14:hiddenLine xmlns="" xmlns:a14="http://schemas.microsoft.com/office/drawing/2010/main" w="9525">
+                  <a14:hiddenLine xmlns:a14="http://schemas.microsoft.com/office/drawing/2010/main" xmlns="" w="9525">
                     <a:solidFill>
                       <a:srgbClr val="000000"/>
                     </a:solidFill>
@@ -12296,7 +12296,7 @@
               </a:ln>
               <a:extLst>
                 <a:ext uri="{91240B29-F687-4f45-9708-019B960494DF}">
-                  <a14:hiddenLine xmlns="" xmlns:a14="http://schemas.microsoft.com/office/drawing/2010/main" w="9525">
+                  <a14:hiddenLine xmlns:a14="http://schemas.microsoft.com/office/drawing/2010/main" xmlns="" w="9525">
                     <a:solidFill>
                       <a:srgbClr val="000000"/>
                     </a:solidFill>
@@ -12330,7 +12330,7 @@
               </a:ln>
               <a:extLst>
                 <a:ext uri="{91240B29-F687-4f45-9708-019B960494DF}">
-                  <a14:hiddenLine xmlns="" xmlns:a14="http://schemas.microsoft.com/office/drawing/2010/main" w="9525">
+                  <a14:hiddenLine xmlns:a14="http://schemas.microsoft.com/office/drawing/2010/main" xmlns="" w="9525">
                     <a:solidFill>
                       <a:srgbClr val="000000"/>
                     </a:solidFill>
@@ -12470,7 +12470,7 @@
           <a:p>
             <a:fld id="{5576B12A-8ED0-474F-B569-C520DE5BEE77}" type="datetimeFigureOut">
               <a:rPr lang="en-US" smtClean="0"/>
-              <a:t>12/10/2018</a:t>
+              <a:t>12/11/2018</a:t>
             </a:fld>
             <a:endParaRPr lang="en-US"/>
           </a:p>
@@ -12923,7 +12923,7 @@
                 <a16:creationId xmlns:a16="http://schemas.microsoft.com/office/drawing/2014/main" id="{82EEA7F3-64E0-47B1-9B06-0677EA6FD79E}"/>
               </a:ext>
               <a:ext uri="{C183D7F6-B498-43B3-948B-1728B52AA6E4}">
-                <adec:decorative xmlns:adec="http://schemas.microsoft.com/office/drawing/2017/decorative" xmlns="" val="1"/>
+                <adec:decorative xmlns:adec="http://schemas.microsoft.com/office/drawing/2017/decorative" val="1"/>
               </a:ext>
             </a:extLst>
           </p:cNvPr>
@@ -12954,7 +12954,7 @@
                   <a16:creationId xmlns:a16="http://schemas.microsoft.com/office/drawing/2014/main" id="{F0787433-E8FF-45C5-A1C3-70BC1491BA94}"/>
                 </a:ext>
                 <a:ext uri="{C183D7F6-B498-43B3-948B-1728B52AA6E4}">
-                  <adec:decorative xmlns:adec="http://schemas.microsoft.com/office/drawing/2017/decorative" xmlns="" val="1"/>
+                  <adec:decorative xmlns:adec="http://schemas.microsoft.com/office/drawing/2017/decorative" val="1"/>
                 </a:ext>
               </a:extLst>
             </p:cNvPr>
@@ -13012,7 +13012,7 @@
                   <a16:creationId xmlns:a16="http://schemas.microsoft.com/office/drawing/2014/main" id="{A649E977-62EB-4D2F-9AF9-947B5E73CA39}"/>
                 </a:ext>
                 <a:ext uri="{C183D7F6-B498-43B3-948B-1728B52AA6E4}">
-                  <adec:decorative xmlns:adec="http://schemas.microsoft.com/office/drawing/2017/decorative" xmlns="" val="1"/>
+                  <adec:decorative xmlns:adec="http://schemas.microsoft.com/office/drawing/2017/decorative" val="1"/>
                 </a:ext>
               </a:extLst>
             </p:cNvPr>
@@ -13059,7 +13059,7 @@
             <a:noFill/>
             <a:extLst>
               <a:ext uri="{909E8E84-426E-40dd-AFC4-6F175D3DCCD1}">
-                <a14:hiddenFill xmlns:a14="http://schemas.microsoft.com/office/drawing/2010/main" xmlns:p14="http://schemas.microsoft.com/office/powerpoint/2010/main" xmlns:a16="http://schemas.microsoft.com/office/drawing/2014/main" xmlns="">
+                <a14:hiddenFill xmlns="" xmlns:a16="http://schemas.microsoft.com/office/drawing/2014/main" xmlns:p14="http://schemas.microsoft.com/office/powerpoint/2010/main" xmlns:a14="http://schemas.microsoft.com/office/drawing/2010/main">
                   <a:solidFill>
                     <a:srgbClr val="FFFFFF"/>
                   </a:solidFill>
@@ -13101,10 +13101,6 @@
             <a:r>
               <a:rPr lang="en-US" sz="7200" dirty="0"/>
               <a:t>Multiway join</a:t>
-            </a:r>
-            <a:r>
-              <a:rPr lang="en-US" sz="6600" dirty="0"/>
-              <a:t/>
             </a:r>
             <a:br>
               <a:rPr lang="en-US" sz="6600" dirty="0"/>
@@ -15459,7 +15455,7 @@
             <p:ph idx="1"/>
             <p:extLst>
               <p:ext uri="{D42A27DB-BD31-4B8C-83A1-F6EECF244321}">
-                <p14:modId xmlns:p14="http://schemas.microsoft.com/office/powerpoint/2010/main" val="719292823"/>
+                <p14:modId xmlns:p14="http://schemas.microsoft.com/office/powerpoint/2010/main" val="1263151528"/>
               </p:ext>
             </p:extLst>
           </p:nvPr>
@@ -15618,7 +15614,7 @@
                       </a:pPr>
                       <a:r>
                         <a:rPr lang="en-US" dirty="0"/>
-                        <a:t>0.01</a:t>
+                        <a:t>0.0106</a:t>
                       </a:r>
                     </a:p>
                   </a:txBody>
@@ -15631,7 +15627,7 @@
                     <a:p>
                       <a:r>
                         <a:rPr lang="en-US" dirty="0"/>
-                        <a:t>0.01</a:t>
+                        <a:t>0.0182</a:t>
                       </a:r>
                     </a:p>
                   </a:txBody>
@@ -15643,10 +15639,9 @@
                     <a:lstStyle/>
                     <a:p>
                       <a:r>
-                        <a:rPr lang="en-US" dirty="0" smtClean="0"/>
-                        <a:t>0.02</a:t>
+                        <a:rPr lang="en-US" dirty="0"/>
+                        <a:t>0.0209</a:t>
                       </a:r>
-                      <a:endParaRPr lang="en-US" dirty="0"/>
                     </a:p>
                   </a:txBody>
                   <a:tcPr/>
@@ -15689,31 +15684,10 @@
                     <a:bodyPr/>
                     <a:lstStyle/>
                     <a:p>
-                      <a:endParaRPr lang="en-US" dirty="0"/>
-                    </a:p>
-                  </a:txBody>
-                  <a:tcPr/>
-                </a:tc>
-                <a:tc>
-                  <a:txBody>
-                    <a:bodyPr/>
-                    <a:lstStyle/>
-                    <a:p>
-                      <a:endParaRPr lang="en-US" dirty="0"/>
-                    </a:p>
-                  </a:txBody>
-                  <a:tcPr/>
-                </a:tc>
-                <a:tc>
-                  <a:txBody>
-                    <a:bodyPr/>
-                    <a:lstStyle/>
-                    <a:p>
                       <a:r>
-                        <a:rPr lang="en-US" dirty="0" smtClean="0"/>
-                        <a:t>0.5097</a:t>
+                        <a:rPr lang="en-US" dirty="0"/>
+                        <a:t>0.8274</a:t>
                       </a:r>
-                      <a:endParaRPr lang="en-US" dirty="0"/>
                     </a:p>
                   </a:txBody>
                   <a:tcPr/>
@@ -15725,7 +15699,33 @@
                     <a:p>
                       <a:r>
                         <a:rPr lang="en-US" dirty="0"/>
-                        <a:t>0.156</a:t>
+                        <a:t>1.2635</a:t>
+                      </a:r>
+                    </a:p>
+                  </a:txBody>
+                  <a:tcPr/>
+                </a:tc>
+                <a:tc>
+                  <a:txBody>
+                    <a:bodyPr/>
+                    <a:lstStyle/>
+                    <a:p>
+                      <a:r>
+                        <a:rPr lang="en-US" dirty="0"/>
+                        <a:t>1.3220</a:t>
+                      </a:r>
+                    </a:p>
+                  </a:txBody>
+                  <a:tcPr/>
+                </a:tc>
+                <a:tc>
+                  <a:txBody>
+                    <a:bodyPr/>
+                    <a:lstStyle/>
+                    <a:p>
+                      <a:r>
+                        <a:rPr lang="en-US" dirty="0"/>
+                        <a:t>1.457</a:t>
                       </a:r>
                     </a:p>
                   </a:txBody>
@@ -15756,17 +15756,10 @@
                     <a:bodyPr/>
                     <a:lstStyle/>
                     <a:p>
-                      <a:endParaRPr lang="en-US" dirty="0"/>
-                    </a:p>
-                  </a:txBody>
-                  <a:tcPr/>
-                </a:tc>
-                <a:tc>
-                  <a:txBody>
-                    <a:bodyPr/>
-                    <a:lstStyle/>
-                    <a:p>
-                      <a:endParaRPr lang="en-US" dirty="0"/>
+                      <a:r>
+                        <a:rPr lang="en-US" dirty="0"/>
+                        <a:t>1.8023</a:t>
+                      </a:r>
                     </a:p>
                   </a:txBody>
                   <a:tcPr/>
@@ -15777,10 +15770,22 @@
                     <a:lstStyle/>
                     <a:p>
                       <a:r>
-                        <a:rPr lang="en-US" dirty="0" smtClean="0"/>
-                        <a:t>7.1866</a:t>
+                        <a:rPr lang="en-US" dirty="0"/>
+                        <a:t>2.8213</a:t>
                       </a:r>
-                      <a:endParaRPr lang="en-US" dirty="0"/>
+                    </a:p>
+                  </a:txBody>
+                  <a:tcPr/>
+                </a:tc>
+                <a:tc>
+                  <a:txBody>
+                    <a:bodyPr/>
+                    <a:lstStyle/>
+                    <a:p>
+                      <a:r>
+                        <a:rPr lang="en-US" dirty="0"/>
+                        <a:t>3.3527</a:t>
+                      </a:r>
                     </a:p>
                   </a:txBody>
                   <a:tcPr/>
@@ -15809,7 +15814,7 @@
                       </a:pPr>
                       <a:r>
                         <a:rPr lang="en-US" dirty="0"/>
-                        <a:t>1.969</a:t>
+                        <a:t>5.267</a:t>
                       </a:r>
                     </a:p>
                   </a:txBody>
@@ -15840,7 +15845,10 @@
                     <a:bodyPr/>
                     <a:lstStyle/>
                     <a:p>
-                      <a:endParaRPr lang="en-US" dirty="0"/>
+                      <a:r>
+                        <a:rPr lang="en-US" dirty="0"/>
+                        <a:t>14.1691</a:t>
+                      </a:r>
                     </a:p>
                   </a:txBody>
                   <a:tcPr/>
@@ -15850,7 +15858,10 @@
                     <a:bodyPr/>
                     <a:lstStyle/>
                     <a:p>
-                      <a:endParaRPr lang="en-US" dirty="0"/>
+                      <a:r>
+                        <a:rPr lang="en-US" dirty="0"/>
+                        <a:t>20.6838</a:t>
+                      </a:r>
                     </a:p>
                   </a:txBody>
                   <a:tcPr/>
@@ -15860,7 +15871,10 @@
                     <a:bodyPr/>
                     <a:lstStyle/>
                     <a:p>
-                      <a:endParaRPr lang="en-US" dirty="0"/>
+                      <a:r>
+                        <a:rPr lang="en-US" dirty="0"/>
+                        <a:t>24.2891</a:t>
+                      </a:r>
                     </a:p>
                   </a:txBody>
                   <a:tcPr/>
@@ -15903,7 +15917,10 @@
                     <a:bodyPr/>
                     <a:lstStyle/>
                     <a:p>
-                      <a:endParaRPr lang="en-US" dirty="0"/>
+                      <a:r>
+                        <a:rPr lang="en-US" dirty="0"/>
+                        <a:t>820.9957</a:t>
+                      </a:r>
                     </a:p>
                   </a:txBody>
                   <a:tcPr/>
@@ -15913,7 +15930,10 @@
                     <a:bodyPr/>
                     <a:lstStyle/>
                     <a:p>
-                      <a:endParaRPr lang="en-US" dirty="0"/>
+                      <a:r>
+                        <a:rPr lang="en-US" dirty="0"/>
+                        <a:t>1010.4133</a:t>
+                      </a:r>
                     </a:p>
                   </a:txBody>
                   <a:tcPr/>
@@ -15923,7 +15943,10 @@
                     <a:bodyPr/>
                     <a:lstStyle/>
                     <a:p>
-                      <a:endParaRPr lang="en-US" dirty="0"/>
+                      <a:r>
+                        <a:rPr lang="en-US" dirty="0"/>
+                        <a:t>1348.1461</a:t>
+                      </a:r>
                     </a:p>
                   </a:txBody>
                   <a:tcPr/>
@@ -15966,7 +15989,10 @@
                     <a:bodyPr/>
                     <a:lstStyle/>
                     <a:p>
-                      <a:endParaRPr lang="en-US" dirty="0"/>
+                      <a:r>
+                        <a:rPr lang="en-US" dirty="0"/>
+                        <a:t>26.3713</a:t>
+                      </a:r>
                     </a:p>
                   </a:txBody>
                   <a:tcPr/>
@@ -15976,7 +16002,10 @@
                     <a:bodyPr/>
                     <a:lstStyle/>
                     <a:p>
-                      <a:endParaRPr lang="en-US" dirty="0"/>
+                      <a:r>
+                        <a:rPr lang="en-US" dirty="0"/>
+                        <a:t>32.1947</a:t>
+                      </a:r>
                     </a:p>
                   </a:txBody>
                   <a:tcPr/>
@@ -15986,7 +16015,10 @@
                     <a:bodyPr/>
                     <a:lstStyle/>
                     <a:p>
-                      <a:endParaRPr lang="en-US" dirty="0"/>
+                      <a:r>
+                        <a:rPr lang="en-US" dirty="0"/>
+                        <a:t>38.6718</a:t>
+                      </a:r>
                     </a:p>
                   </a:txBody>
                   <a:tcPr/>
@@ -16029,7 +16061,10 @@
                     <a:bodyPr/>
                     <a:lstStyle/>
                     <a:p>
-                      <a:endParaRPr lang="en-US" dirty="0"/>
+                      <a:r>
+                        <a:rPr lang="en-US" dirty="0"/>
+                        <a:t>1135.8758</a:t>
+                      </a:r>
                     </a:p>
                   </a:txBody>
                   <a:tcPr/>
@@ -16039,7 +16074,10 @@
                     <a:bodyPr/>
                     <a:lstStyle/>
                     <a:p>
-                      <a:endParaRPr lang="en-US" dirty="0"/>
+                      <a:r>
+                        <a:rPr lang="en-US" dirty="0"/>
+                        <a:t>1420.3353</a:t>
+                      </a:r>
                     </a:p>
                   </a:txBody>
                   <a:tcPr/>
@@ -16049,7 +16087,10 @@
                     <a:bodyPr/>
                     <a:lstStyle/>
                     <a:p>
-                      <a:endParaRPr lang="en-US" dirty="0"/>
+                      <a:r>
+                        <a:rPr lang="en-US" dirty="0"/>
+                        <a:t>1840.1493</a:t>
+                      </a:r>
                     </a:p>
                   </a:txBody>
                   <a:tcPr/>
@@ -16151,7 +16192,7 @@
             <p:ph idx="1"/>
             <p:extLst>
               <p:ext uri="{D42A27DB-BD31-4B8C-83A1-F6EECF244321}">
-                <p14:modId xmlns:p14="http://schemas.microsoft.com/office/powerpoint/2010/main" val="4282655184"/>
+                <p14:modId xmlns:p14="http://schemas.microsoft.com/office/powerpoint/2010/main" val="2636619172"/>
               </p:ext>
             </p:extLst>
           </p:nvPr>
@@ -16325,27 +16366,10 @@
                     <a:bodyPr/>
                     <a:lstStyle/>
                     <a:p>
-                      <a:endParaRPr lang="en-US" dirty="0"/>
-                    </a:p>
-                  </a:txBody>
-                  <a:tcPr/>
-                </a:tc>
-                <a:tc>
-                  <a:txBody>
-                    <a:bodyPr/>
-                    <a:lstStyle/>
-                    <a:p>
-                      <a:endParaRPr lang="en-US" dirty="0"/>
-                    </a:p>
-                  </a:txBody>
-                  <a:tcPr/>
-                </a:tc>
-                <a:tc>
-                  <a:txBody>
-                    <a:bodyPr/>
-                    <a:lstStyle/>
-                    <a:p>
-                      <a:endParaRPr lang="en-US" dirty="0"/>
+                      <a:r>
+                        <a:rPr lang="en-US" dirty="0"/>
+                        <a:t>14.2342</a:t>
+                      </a:r>
                     </a:p>
                   </a:txBody>
                   <a:tcPr/>
@@ -16357,7 +16381,33 @@
                     <a:p>
                       <a:r>
                         <a:rPr lang="en-US" dirty="0"/>
-                        <a:t>14.313</a:t>
+                        <a:t>19.4464</a:t>
+                      </a:r>
+                    </a:p>
+                  </a:txBody>
+                  <a:tcPr/>
+                </a:tc>
+                <a:tc>
+                  <a:txBody>
+                    <a:bodyPr/>
+                    <a:lstStyle/>
+                    <a:p>
+                      <a:r>
+                        <a:rPr lang="en-US" dirty="0"/>
+                        <a:t>22.4921</a:t>
+                      </a:r>
+                    </a:p>
+                  </a:txBody>
+                  <a:tcPr/>
+                </a:tc>
+                <a:tc>
+                  <a:txBody>
+                    <a:bodyPr/>
+                    <a:lstStyle/>
+                    <a:p>
+                      <a:r>
+                        <a:rPr lang="en-US" dirty="0"/>
+                        <a:t>14.31</a:t>
                       </a:r>
                     </a:p>
                   </a:txBody>
@@ -16388,7 +16438,10 @@
                     <a:bodyPr/>
                     <a:lstStyle/>
                     <a:p>
-                      <a:endParaRPr lang="en-US" dirty="0"/>
+                      <a:r>
+                        <a:rPr lang="en-US" dirty="0"/>
+                        <a:t>410.7812</a:t>
+                      </a:r>
                     </a:p>
                   </a:txBody>
                   <a:tcPr/>
@@ -16398,7 +16451,10 @@
                     <a:bodyPr/>
                     <a:lstStyle/>
                     <a:p>
-                      <a:endParaRPr lang="en-US" dirty="0"/>
+                      <a:r>
+                        <a:rPr lang="en-US" dirty="0"/>
+                        <a:t>569.6728</a:t>
+                      </a:r>
                     </a:p>
                   </a:txBody>
                   <a:tcPr/>
@@ -16408,7 +16464,10 @@
                     <a:bodyPr/>
                     <a:lstStyle/>
                     <a:p>
-                      <a:endParaRPr lang="en-US" dirty="0"/>
+                      <a:r>
+                        <a:rPr lang="en-US" dirty="0"/>
+                        <a:t>680.3487</a:t>
+                      </a:r>
                     </a:p>
                   </a:txBody>
                   <a:tcPr/>
@@ -16451,27 +16510,10 @@
                     <a:bodyPr/>
                     <a:lstStyle/>
                     <a:p>
-                      <a:endParaRPr lang="en-US" dirty="0"/>
-                    </a:p>
-                  </a:txBody>
-                  <a:tcPr/>
-                </a:tc>
-                <a:tc>
-                  <a:txBody>
-                    <a:bodyPr/>
-                    <a:lstStyle/>
-                    <a:p>
-                      <a:endParaRPr lang="en-US" dirty="0"/>
-                    </a:p>
-                  </a:txBody>
-                  <a:tcPr/>
-                </a:tc>
-                <a:tc>
-                  <a:txBody>
-                    <a:bodyPr/>
-                    <a:lstStyle/>
-                    <a:p>
-                      <a:endParaRPr lang="en-US" dirty="0"/>
+                      <a:r>
+                        <a:rPr lang="en-US" dirty="0"/>
+                        <a:t>0.0413</a:t>
+                      </a:r>
                     </a:p>
                   </a:txBody>
                   <a:tcPr/>
@@ -16483,7 +16525,33 @@
                     <a:p>
                       <a:r>
                         <a:rPr lang="en-US" dirty="0"/>
-                        <a:t>5.328</a:t>
+                        <a:t>0.1073</a:t>
+                      </a:r>
+                    </a:p>
+                  </a:txBody>
+                  <a:tcPr/>
+                </a:tc>
+                <a:tc>
+                  <a:txBody>
+                    <a:bodyPr/>
+                    <a:lstStyle/>
+                    <a:p>
+                      <a:r>
+                        <a:rPr lang="en-US" dirty="0"/>
+                        <a:t>0.1336</a:t>
+                      </a:r>
+                    </a:p>
+                  </a:txBody>
+                  <a:tcPr/>
+                </a:tc>
+                <a:tc>
+                  <a:txBody>
+                    <a:bodyPr/>
+                    <a:lstStyle/>
+                    <a:p>
+                      <a:r>
+                        <a:rPr lang="en-US" dirty="0"/>
+                        <a:t>0.25</a:t>
                       </a:r>
                     </a:p>
                   </a:txBody>
@@ -16514,27 +16582,10 @@
                     <a:bodyPr/>
                     <a:lstStyle/>
                     <a:p>
-                      <a:endParaRPr lang="en-US" dirty="0"/>
-                    </a:p>
-                  </a:txBody>
-                  <a:tcPr/>
-                </a:tc>
-                <a:tc>
-                  <a:txBody>
-                    <a:bodyPr/>
-                    <a:lstStyle/>
-                    <a:p>
-                      <a:endParaRPr lang="en-US" dirty="0"/>
-                    </a:p>
-                  </a:txBody>
-                  <a:tcPr/>
-                </a:tc>
-                <a:tc>
-                  <a:txBody>
-                    <a:bodyPr/>
-                    <a:lstStyle/>
-                    <a:p>
-                      <a:endParaRPr lang="en-US" dirty="0"/>
+                      <a:r>
+                        <a:rPr lang="en-US" dirty="0"/>
+                        <a:t>0.3077</a:t>
+                      </a:r>
                     </a:p>
                   </a:txBody>
                   <a:tcPr/>
@@ -16546,7 +16597,33 @@
                     <a:p>
                       <a:r>
                         <a:rPr lang="en-US" dirty="0"/>
-                        <a:t>0.25</a:t>
+                        <a:t>1.2864</a:t>
+                      </a:r>
+                    </a:p>
+                  </a:txBody>
+                  <a:tcPr/>
+                </a:tc>
+                <a:tc>
+                  <a:txBody>
+                    <a:bodyPr/>
+                    <a:lstStyle/>
+                    <a:p>
+                      <a:r>
+                        <a:rPr lang="en-US" dirty="0"/>
+                        <a:t>1.4510</a:t>
+                      </a:r>
+                    </a:p>
+                  </a:txBody>
+                  <a:tcPr/>
+                </a:tc>
+                <a:tc>
+                  <a:txBody>
+                    <a:bodyPr/>
+                    <a:lstStyle/>
+                    <a:p>
+                      <a:r>
+                        <a:rPr lang="en-US" dirty="0"/>
+                        <a:t>5.38</a:t>
                       </a:r>
                     </a:p>
                   </a:txBody>
@@ -16577,27 +16654,10 @@
                     <a:bodyPr/>
                     <a:lstStyle/>
                     <a:p>
-                      <a:endParaRPr lang="en-US" dirty="0"/>
-                    </a:p>
-                  </a:txBody>
-                  <a:tcPr/>
-                </a:tc>
-                <a:tc>
-                  <a:txBody>
-                    <a:bodyPr/>
-                    <a:lstStyle/>
-                    <a:p>
-                      <a:endParaRPr lang="en-US" dirty="0"/>
-                    </a:p>
-                  </a:txBody>
-                  <a:tcPr/>
-                </a:tc>
-                <a:tc>
-                  <a:txBody>
-                    <a:bodyPr/>
-                    <a:lstStyle/>
-                    <a:p>
-                      <a:endParaRPr lang="en-US"/>
+                      <a:r>
+                        <a:rPr lang="en-US" dirty="0"/>
+                        <a:t>69.1834</a:t>
+                      </a:r>
                     </a:p>
                   </a:txBody>
                   <a:tcPr/>
@@ -16609,7 +16669,33 @@
                     <a:p>
                       <a:r>
                         <a:rPr lang="en-US" dirty="0"/>
-                        <a:t>29.438</a:t>
+                        <a:t>90.1889</a:t>
+                      </a:r>
+                    </a:p>
+                  </a:txBody>
+                  <a:tcPr/>
+                </a:tc>
+                <a:tc>
+                  <a:txBody>
+                    <a:bodyPr/>
+                    <a:lstStyle/>
+                    <a:p>
+                      <a:r>
+                        <a:rPr lang="en-US" dirty="0"/>
+                        <a:t>103.9844</a:t>
+                      </a:r>
+                    </a:p>
+                  </a:txBody>
+                  <a:tcPr/>
+                </a:tc>
+                <a:tc>
+                  <a:txBody>
+                    <a:bodyPr/>
+                    <a:lstStyle/>
+                    <a:p>
+                      <a:r>
+                        <a:rPr lang="en-US" dirty="0"/>
+                        <a:t>29.43</a:t>
                       </a:r>
                     </a:p>
                   </a:txBody>
@@ -16640,27 +16726,10 @@
                     <a:bodyPr/>
                     <a:lstStyle/>
                     <a:p>
-                      <a:endParaRPr lang="en-US" dirty="0"/>
-                    </a:p>
-                  </a:txBody>
-                  <a:tcPr/>
-                </a:tc>
-                <a:tc>
-                  <a:txBody>
-                    <a:bodyPr/>
-                    <a:lstStyle/>
-                    <a:p>
-                      <a:endParaRPr lang="en-US" dirty="0"/>
-                    </a:p>
-                  </a:txBody>
-                  <a:tcPr/>
-                </a:tc>
-                <a:tc>
-                  <a:txBody>
-                    <a:bodyPr/>
-                    <a:lstStyle/>
-                    <a:p>
-                      <a:endParaRPr lang="en-US"/>
+                      <a:r>
+                        <a:rPr lang="en-US" dirty="0"/>
+                        <a:t>45.9427</a:t>
+                      </a:r>
                     </a:p>
                   </a:txBody>
                   <a:tcPr/>
@@ -16672,7 +16741,33 @@
                     <a:p>
                       <a:r>
                         <a:rPr lang="en-US" dirty="0"/>
-                        <a:t>60.047</a:t>
+                        <a:t>52.3313</a:t>
+                      </a:r>
+                    </a:p>
+                  </a:txBody>
+                  <a:tcPr/>
+                </a:tc>
+                <a:tc>
+                  <a:txBody>
+                    <a:bodyPr/>
+                    <a:lstStyle/>
+                    <a:p>
+                      <a:r>
+                        <a:rPr lang="en-US" dirty="0"/>
+                        <a:t>62.7468</a:t>
+                      </a:r>
+                    </a:p>
+                  </a:txBody>
+                  <a:tcPr/>
+                </a:tc>
+                <a:tc>
+                  <a:txBody>
+                    <a:bodyPr/>
+                    <a:lstStyle/>
+                    <a:p>
+                      <a:r>
+                        <a:rPr lang="en-US" dirty="0"/>
+                        <a:t>60.04</a:t>
                       </a:r>
                     </a:p>
                   </a:txBody>
@@ -16703,27 +16798,10 @@
                     <a:bodyPr/>
                     <a:lstStyle/>
                     <a:p>
-                      <a:endParaRPr lang="en-US" dirty="0"/>
-                    </a:p>
-                  </a:txBody>
-                  <a:tcPr/>
-                </a:tc>
-                <a:tc>
-                  <a:txBody>
-                    <a:bodyPr/>
-                    <a:lstStyle/>
-                    <a:p>
-                      <a:endParaRPr lang="en-US" dirty="0"/>
-                    </a:p>
-                  </a:txBody>
-                  <a:tcPr/>
-                </a:tc>
-                <a:tc>
-                  <a:txBody>
-                    <a:bodyPr/>
-                    <a:lstStyle/>
-                    <a:p>
-                      <a:endParaRPr lang="en-US" dirty="0"/>
+                      <a:r>
+                        <a:rPr lang="en-US" dirty="0"/>
+                        <a:t>3824.6711</a:t>
+                      </a:r>
                     </a:p>
                   </a:txBody>
                   <a:tcPr/>
@@ -16735,7 +16813,33 @@
                     <a:p>
                       <a:r>
                         <a:rPr lang="en-US" dirty="0"/>
-                        <a:t>648.187</a:t>
+                        <a:t>4149.1773</a:t>
+                      </a:r>
+                    </a:p>
+                  </a:txBody>
+                  <a:tcPr/>
+                </a:tc>
+                <a:tc>
+                  <a:txBody>
+                    <a:bodyPr/>
+                    <a:lstStyle/>
+                    <a:p>
+                      <a:r>
+                        <a:rPr lang="en-US" dirty="0"/>
+                        <a:t>5298.3494</a:t>
+                      </a:r>
+                    </a:p>
+                  </a:txBody>
+                  <a:tcPr/>
+                </a:tc>
+                <a:tc>
+                  <a:txBody>
+                    <a:bodyPr/>
+                    <a:lstStyle/>
+                    <a:p>
+                      <a:r>
+                        <a:rPr lang="en-US" dirty="0"/>
+                        <a:t>648.18</a:t>
                       </a:r>
                     </a:p>
                   </a:txBody>
@@ -16825,7 +16929,7 @@
             <p:ph idx="1"/>
             <p:extLst>
               <p:ext uri="{D42A27DB-BD31-4B8C-83A1-F6EECF244321}">
-                <p14:modId xmlns:p14="http://schemas.microsoft.com/office/powerpoint/2010/main" val="1857402122"/>
+                <p14:modId xmlns:p14="http://schemas.microsoft.com/office/powerpoint/2010/main" val="571804552"/>
               </p:ext>
             </p:extLst>
           </p:nvPr>
@@ -16942,7 +17046,10 @@
                     <a:bodyPr/>
                     <a:lstStyle/>
                     <a:p>
-                      <a:endParaRPr lang="en-US" dirty="0"/>
+                      <a:r>
+                        <a:rPr lang="en-US" dirty="0"/>
+                        <a:t>28.2895</a:t>
+                      </a:r>
                     </a:p>
                   </a:txBody>
                   <a:tcPr/>
@@ -16985,7 +17092,10 @@
                     <a:bodyPr/>
                     <a:lstStyle/>
                     <a:p>
-                      <a:endParaRPr lang="en-US" dirty="0"/>
+                      <a:r>
+                        <a:rPr lang="en-US" dirty="0"/>
+                        <a:t>345.6117</a:t>
+                      </a:r>
                     </a:p>
                   </a:txBody>
                   <a:tcPr/>
@@ -17867,10 +17977,6 @@
             <a:br>
               <a:rPr lang="en-US" dirty="0"/>
             </a:br>
-            <a:r>
-              <a:rPr lang="en-US" dirty="0"/>
-              <a:t/>
-            </a:r>
             <a:br>
               <a:rPr lang="en-US" dirty="0"/>
             </a:br>
